--- a/Universal Presentation 2.0.pptx
+++ b/Universal Presentation 2.0.pptx
@@ -25,23 +25,24 @@
     <p:sldId id="270" r:id="rId20"/>
     <p:sldId id="271" r:id="rId21"/>
     <p:sldId id="272" r:id="rId22"/>
+    <p:sldId id="273" r:id="rId23"/>
   </p:sldIdLst>
   <p:sldSz cy="5143500" cx="9144000"/>
   <p:notesSz cx="6858000" cy="9144000"/>
   <p:embeddedFontLst>
     <p:embeddedFont>
       <p:font typeface="Montserrat"/>
-      <p:regular r:id="rId23"/>
-      <p:bold r:id="rId24"/>
-      <p:italic r:id="rId25"/>
-      <p:boldItalic r:id="rId26"/>
+      <p:regular r:id="rId24"/>
+      <p:bold r:id="rId25"/>
+      <p:italic r:id="rId26"/>
+      <p:boldItalic r:id="rId27"/>
     </p:embeddedFont>
     <p:embeddedFont>
       <p:font typeface="Lato"/>
-      <p:regular r:id="rId27"/>
-      <p:bold r:id="rId28"/>
-      <p:italic r:id="rId29"/>
-      <p:boldItalic r:id="rId30"/>
+      <p:regular r:id="rId28"/>
+      <p:bold r:id="rId29"/>
+      <p:italic r:id="rId30"/>
+      <p:boldItalic r:id="rId31"/>
     </p:embeddedFont>
   </p:embeddedFontLst>
   <p:defaultTextStyle>
@@ -993,7 +994,7 @@
       </p:grpSpPr>
       <p:sp>
         <p:nvSpPr>
-          <p:cNvPr id="218" name="Google Shape;218;gcae9d74ce7_1_126:notes"/>
+          <p:cNvPr id="218" name="Google Shape;218;gcae9d74ce7_0_157:notes"/>
           <p:cNvSpPr txBox="1"/>
           <p:nvPr>
             <p:ph idx="1" type="body"/>
@@ -1002,7 +1003,7 @@
         <p:spPr>
           <a:xfrm>
             <a:off x="685800" y="4400550"/>
-            <a:ext cx="5486400" cy="3600450"/>
+            <a:ext cx="5486400" cy="3600600"/>
           </a:xfrm>
           <a:prstGeom prst="rect">
             <a:avLst/>
@@ -1032,7 +1033,7 @@
       </p:sp>
       <p:sp>
         <p:nvSpPr>
-          <p:cNvPr id="219" name="Google Shape;219;gcae9d74ce7_1_126:notes"/>
+          <p:cNvPr id="219" name="Google Shape;219;gcae9d74ce7_0_157:notes"/>
           <p:cNvSpPr/>
           <p:nvPr>
             <p:ph idx="2" type="sldImg"/>
@@ -1078,7 +1079,7 @@
   <p:cSld>
     <p:spTree>
       <p:nvGrpSpPr>
-        <p:cNvPr id="225" name="Shape 225"/>
+        <p:cNvPr id="224" name="Shape 224"/>
         <p:cNvGrpSpPr/>
         <p:nvPr/>
       </p:nvGrpSpPr>
@@ -1092,7 +1093,7 @@
       </p:grpSpPr>
       <p:sp>
         <p:nvSpPr>
-          <p:cNvPr id="226" name="Google Shape;226;gcae9d74ce7_1_133:notes"/>
+          <p:cNvPr id="225" name="Google Shape;225;gcae9d74ce7_1_126:notes"/>
           <p:cNvSpPr txBox="1"/>
           <p:nvPr>
             <p:ph idx="1" type="body"/>
@@ -1131,7 +1132,7 @@
       </p:sp>
       <p:sp>
         <p:nvSpPr>
-          <p:cNvPr id="227" name="Google Shape;227;gcae9d74ce7_1_133:notes"/>
+          <p:cNvPr id="226" name="Google Shape;226;gcae9d74ce7_1_126:notes"/>
           <p:cNvSpPr/>
           <p:nvPr>
             <p:ph idx="2" type="sldImg"/>
@@ -1191,7 +1192,7 @@
       </p:grpSpPr>
       <p:sp>
         <p:nvSpPr>
-          <p:cNvPr id="233" name="Google Shape;233;gcae9d74ce7_1_144:notes"/>
+          <p:cNvPr id="233" name="Google Shape;233;gcae9d74ce7_1_133:notes"/>
           <p:cNvSpPr txBox="1"/>
           <p:nvPr>
             <p:ph idx="1" type="body"/>
@@ -1230,7 +1231,7 @@
       </p:sp>
       <p:sp>
         <p:nvSpPr>
-          <p:cNvPr id="234" name="Google Shape;234;gcae9d74ce7_1_144:notes"/>
+          <p:cNvPr id="234" name="Google Shape;234;gcae9d74ce7_1_133:notes"/>
           <p:cNvSpPr/>
           <p:nvPr>
             <p:ph idx="2" type="sldImg"/>
@@ -1290,7 +1291,7 @@
       </p:grpSpPr>
       <p:sp>
         <p:nvSpPr>
-          <p:cNvPr id="240" name="Google Shape;240;gcae9d74ce7_1_156:notes"/>
+          <p:cNvPr id="240" name="Google Shape;240;gcae9d74ce7_1_144:notes"/>
           <p:cNvSpPr txBox="1"/>
           <p:nvPr>
             <p:ph idx="1" type="body"/>
@@ -1329,7 +1330,7 @@
       </p:sp>
       <p:sp>
         <p:nvSpPr>
-          <p:cNvPr id="241" name="Google Shape;241;gcae9d74ce7_1_156:notes"/>
+          <p:cNvPr id="241" name="Google Shape;241;gcae9d74ce7_1_144:notes"/>
           <p:cNvSpPr/>
           <p:nvPr>
             <p:ph idx="2" type="sldImg"/>
@@ -1389,7 +1390,106 @@
       </p:grpSpPr>
       <p:sp>
         <p:nvSpPr>
-          <p:cNvPr id="247" name="Google Shape;247;gcae9d74ce7_0_138:notes"/>
+          <p:cNvPr id="247" name="Google Shape;247;gcae9d74ce7_1_156:notes"/>
+          <p:cNvSpPr txBox="1"/>
+          <p:nvPr>
+            <p:ph idx="1" type="body"/>
+          </p:nvPr>
+        </p:nvSpPr>
+        <p:spPr>
+          <a:xfrm>
+            <a:off x="685800" y="4400550"/>
+            <a:ext cx="5486400" cy="3600450"/>
+          </a:xfrm>
+          <a:prstGeom prst="rect">
+            <a:avLst/>
+          </a:prstGeom>
+        </p:spPr>
+        <p:txBody>
+          <a:bodyPr anchorCtr="0" anchor="t" bIns="91425" lIns="91425" spcFirstLastPara="1" rIns="91425" wrap="square" tIns="91425">
+            <a:noAutofit/>
+          </a:bodyPr>
+          <a:lstStyle/>
+          <a:p>
+            <a:pPr indent="0" lvl="0" marL="0" rtl="0" algn="l">
+              <a:spcBef>
+                <a:spcPts val="0"/>
+              </a:spcBef>
+              <a:spcAft>
+                <a:spcPts val="0"/>
+              </a:spcAft>
+              <a:buNone/>
+            </a:pPr>
+            <a:r>
+              <a:t/>
+            </a:r>
+            <a:endParaRPr/>
+          </a:p>
+        </p:txBody>
+      </p:sp>
+      <p:sp>
+        <p:nvSpPr>
+          <p:cNvPr id="248" name="Google Shape;248;gcae9d74ce7_1_156:notes"/>
+          <p:cNvSpPr/>
+          <p:nvPr>
+            <p:ph idx="2" type="sldImg"/>
+          </p:nvPr>
+        </p:nvSpPr>
+        <p:spPr>
+          <a:xfrm>
+            <a:off x="685800" y="1143000"/>
+            <a:ext cx="5486400" cy="3086100"/>
+          </a:xfrm>
+          <a:custGeom>
+            <a:rect b="b" l="l" r="r" t="t"/>
+            <a:pathLst>
+              <a:path extrusionOk="0" h="120000" w="120000">
+                <a:moveTo>
+                  <a:pt x="0" y="0"/>
+                </a:moveTo>
+                <a:lnTo>
+                  <a:pt x="120000" y="0"/>
+                </a:lnTo>
+                <a:lnTo>
+                  <a:pt x="120000" y="120000"/>
+                </a:lnTo>
+                <a:lnTo>
+                  <a:pt x="0" y="120000"/>
+                </a:lnTo>
+                <a:close/>
+              </a:path>
+            </a:pathLst>
+          </a:custGeom>
+        </p:spPr>
+      </p:sp>
+    </p:spTree>
+  </p:cSld>
+  <p:clrMapOvr>
+    <a:masterClrMapping/>
+  </p:clrMapOvr>
+</p:notes>
+</file>
+
+<file path=ppt/notesSlides/notesSlide16.xml><?xml version="1.0" encoding="utf-8"?>
+<p:notes xmlns:a="http://schemas.openxmlformats.org/drawingml/2006/main" xmlns:r="http://schemas.openxmlformats.org/officeDocument/2006/relationships" xmlns:mc="http://schemas.openxmlformats.org/markup-compatibility/2006" xmlns:mv="urn:schemas-microsoft-com:mac:vml" xmlns:p="http://schemas.openxmlformats.org/presentationml/2006/main" xmlns:c="http://schemas.openxmlformats.org/drawingml/2006/chart" xmlns:dgm="http://schemas.openxmlformats.org/drawingml/2006/diagram" xmlns:o="urn:schemas-microsoft-com:office:office" xmlns:v="urn:schemas-microsoft-com:vml" xmlns:pvml="urn:schemas-microsoft-com:office:powerpoint" xmlns:com="http://schemas.openxmlformats.org/drawingml/2006/compatibility" xmlns:p14="http://schemas.microsoft.com/office/powerpoint/2010/main" xmlns:p15="http://schemas.microsoft.com/office/powerpoint/2012/main" xmlns:ahyp="http://schemas.microsoft.com/office/drawing/2018/hyperlinkcolor" showMasterPhAnim="0" showMasterSp="0">
+  <p:cSld>
+    <p:spTree>
+      <p:nvGrpSpPr>
+        <p:cNvPr id="253" name="Shape 253"/>
+        <p:cNvGrpSpPr/>
+        <p:nvPr/>
+      </p:nvGrpSpPr>
+      <p:grpSpPr>
+        <a:xfrm>
+          <a:off x="0" y="0"/>
+          <a:ext cx="0" cy="0"/>
+          <a:chOff x="0" y="0"/>
+          <a:chExt cx="0" cy="0"/>
+        </a:xfrm>
+      </p:grpSpPr>
+      <p:sp>
+        <p:nvSpPr>
+          <p:cNvPr id="254" name="Google Shape;254;gcae9d74ce7_0_138:notes"/>
           <p:cNvSpPr/>
           <p:nvPr>
             <p:ph idx="2" type="sldImg"/>
@@ -1424,7 +1524,7 @@
       </p:sp>
       <p:sp>
         <p:nvSpPr>
-          <p:cNvPr id="248" name="Google Shape;248;gcae9d74ce7_0_138:notes"/>
+          <p:cNvPr id="255" name="Google Shape;255;gcae9d74ce7_0_138:notes"/>
           <p:cNvSpPr txBox="1"/>
           <p:nvPr>
             <p:ph idx="1" type="body"/>
@@ -1469,12 +1569,12 @@
 </p:notes>
 </file>
 
-<file path=ppt/notesSlides/notesSlide16.xml><?xml version="1.0" encoding="utf-8"?>
+<file path=ppt/notesSlides/notesSlide17.xml><?xml version="1.0" encoding="utf-8"?>
 <p:notes xmlns:a="http://schemas.openxmlformats.org/drawingml/2006/main" xmlns:r="http://schemas.openxmlformats.org/officeDocument/2006/relationships" xmlns:mc="http://schemas.openxmlformats.org/markup-compatibility/2006" xmlns:mv="urn:schemas-microsoft-com:mac:vml" xmlns:p="http://schemas.openxmlformats.org/presentationml/2006/main" xmlns:c="http://schemas.openxmlformats.org/drawingml/2006/chart" xmlns:dgm="http://schemas.openxmlformats.org/drawingml/2006/diagram" xmlns:o="urn:schemas-microsoft-com:office:office" xmlns:v="urn:schemas-microsoft-com:vml" xmlns:pvml="urn:schemas-microsoft-com:office:powerpoint" xmlns:com="http://schemas.openxmlformats.org/drawingml/2006/compatibility" xmlns:p14="http://schemas.microsoft.com/office/powerpoint/2010/main" xmlns:p15="http://schemas.microsoft.com/office/powerpoint/2012/main" xmlns:ahyp="http://schemas.microsoft.com/office/drawing/2018/hyperlinkcolor" showMasterPhAnim="0" showMasterSp="0">
   <p:cSld>
     <p:spTree>
       <p:nvGrpSpPr>
-        <p:cNvPr id="251" name="Shape 251"/>
+        <p:cNvPr id="258" name="Shape 258"/>
         <p:cNvGrpSpPr/>
         <p:nvPr/>
       </p:nvGrpSpPr>
@@ -1488,7 +1588,7 @@
       </p:grpSpPr>
       <p:sp>
         <p:nvSpPr>
-          <p:cNvPr id="252" name="Google Shape;252;gcae9d74ce7_0_153:notes"/>
+          <p:cNvPr id="259" name="Google Shape;259;gcae9d74ce7_0_153:notes"/>
           <p:cNvSpPr/>
           <p:nvPr>
             <p:ph idx="2" type="sldImg"/>
@@ -1523,7 +1623,7 @@
       </p:sp>
       <p:sp>
         <p:nvSpPr>
-          <p:cNvPr id="253" name="Google Shape;253;gcae9d74ce7_0_153:notes"/>
+          <p:cNvPr id="260" name="Google Shape;260;gcae9d74ce7_0_153:notes"/>
           <p:cNvSpPr txBox="1"/>
           <p:nvPr>
             <p:ph idx="1" type="body"/>
@@ -1568,12 +1668,12 @@
 </p:notes>
 </file>
 
-<file path=ppt/notesSlides/notesSlide17.xml><?xml version="1.0" encoding="utf-8"?>
+<file path=ppt/notesSlides/notesSlide18.xml><?xml version="1.0" encoding="utf-8"?>
 <p:notes xmlns:a="http://schemas.openxmlformats.org/drawingml/2006/main" xmlns:r="http://schemas.openxmlformats.org/officeDocument/2006/relationships" xmlns:mc="http://schemas.openxmlformats.org/markup-compatibility/2006" xmlns:mv="urn:schemas-microsoft-com:mac:vml" xmlns:p="http://schemas.openxmlformats.org/presentationml/2006/main" xmlns:c="http://schemas.openxmlformats.org/drawingml/2006/chart" xmlns:dgm="http://schemas.openxmlformats.org/drawingml/2006/diagram" xmlns:o="urn:schemas-microsoft-com:office:office" xmlns:v="urn:schemas-microsoft-com:vml" xmlns:pvml="urn:schemas-microsoft-com:office:powerpoint" xmlns:com="http://schemas.openxmlformats.org/drawingml/2006/compatibility" xmlns:p14="http://schemas.microsoft.com/office/powerpoint/2010/main" xmlns:p15="http://schemas.microsoft.com/office/powerpoint/2012/main" xmlns:ahyp="http://schemas.microsoft.com/office/drawing/2018/hyperlinkcolor" showMasterPhAnim="0" showMasterSp="0">
   <p:cSld>
     <p:spTree>
       <p:nvGrpSpPr>
-        <p:cNvPr id="256" name="Shape 256"/>
+        <p:cNvPr id="263" name="Shape 263"/>
         <p:cNvGrpSpPr/>
         <p:nvPr/>
       </p:nvGrpSpPr>
@@ -1587,7 +1687,7 @@
       </p:grpSpPr>
       <p:sp>
         <p:nvSpPr>
-          <p:cNvPr id="257" name="Google Shape;257;gcae9d74ce7_0_143:notes"/>
+          <p:cNvPr id="264" name="Google Shape;264;gcae9d74ce7_0_143:notes"/>
           <p:cNvSpPr/>
           <p:nvPr>
             <p:ph idx="2" type="sldImg"/>
@@ -1632,7 +1732,7 @@
       </p:sp>
       <p:sp>
         <p:nvSpPr>
-          <p:cNvPr id="258" name="Google Shape;258;gcae9d74ce7_0_143:notes"/>
+          <p:cNvPr id="265" name="Google Shape;265;gcae9d74ce7_0_143:notes"/>
           <p:cNvSpPr txBox="1"/>
           <p:nvPr>
             <p:ph idx="1" type="body"/>
@@ -1675,7 +1775,7 @@
       </p:sp>
       <p:sp>
         <p:nvSpPr>
-          <p:cNvPr id="259" name="Google Shape;259;gcae9d74ce7_0_143:notes"/>
+          <p:cNvPr id="266" name="Google Shape;266;gcae9d74ce7_0_143:notes"/>
           <p:cNvSpPr txBox="1"/>
           <p:nvPr>
             <p:ph idx="12" type="sldNum"/>
@@ -13246,6 +13346,232 @@
         <p:spPr>
           <a:xfrm>
             <a:off x="628650" y="273844"/>
+            <a:ext cx="7886700" cy="994200"/>
+          </a:xfrm>
+          <a:prstGeom prst="rect">
+            <a:avLst/>
+          </a:prstGeom>
+          <a:noFill/>
+          <a:ln>
+            <a:noFill/>
+          </a:ln>
+        </p:spPr>
+        <p:txBody>
+          <a:bodyPr anchorCtr="0" anchor="ctr" bIns="34275" lIns="68575" spcFirstLastPara="1" rIns="68575" wrap="square" tIns="34275">
+            <a:normAutofit/>
+          </a:bodyPr>
+          <a:lstStyle/>
+          <a:p>
+            <a:pPr indent="0" lvl="0" marL="0" rtl="0" algn="l">
+              <a:lnSpc>
+                <a:spcPct val="90000"/>
+              </a:lnSpc>
+              <a:spcBef>
+                <a:spcPts val="0"/>
+              </a:spcBef>
+              <a:spcAft>
+                <a:spcPts val="0"/>
+              </a:spcAft>
+              <a:buClr>
+                <a:schemeClr val="dk1"/>
+              </a:buClr>
+              <a:buSzPts val="3300"/>
+              <a:buFont typeface="Calibri"/>
+              <a:buNone/>
+            </a:pPr>
+            <a:r>
+              <a:rPr lang="en" sz="1800">
+                <a:solidFill>
+                  <a:schemeClr val="lt2"/>
+                </a:solidFill>
+              </a:rPr>
+              <a:t>Affectation</a:t>
+            </a:r>
+            <a:endParaRPr sz="1100"/>
+          </a:p>
+        </p:txBody>
+      </p:sp>
+      <p:sp>
+        <p:nvSpPr>
+          <p:cNvPr id="222" name="Google Shape;222;p25"/>
+          <p:cNvSpPr txBox="1"/>
+          <p:nvPr>
+            <p:ph idx="1" type="body"/>
+          </p:nvPr>
+        </p:nvSpPr>
+        <p:spPr>
+          <a:xfrm>
+            <a:off x="628650" y="1369225"/>
+            <a:ext cx="7886700" cy="1709400"/>
+          </a:xfrm>
+          <a:prstGeom prst="rect">
+            <a:avLst/>
+          </a:prstGeom>
+          <a:noFill/>
+          <a:ln>
+            <a:noFill/>
+          </a:ln>
+        </p:spPr>
+        <p:txBody>
+          <a:bodyPr anchorCtr="0" anchor="t" bIns="34275" lIns="68575" spcFirstLastPara="1" rIns="68575" wrap="square" tIns="34275">
+            <a:normAutofit/>
+          </a:bodyPr>
+          <a:lstStyle/>
+          <a:p>
+            <a:pPr indent="-215900" lvl="0" marL="177800" rtl="0" algn="l">
+              <a:lnSpc>
+                <a:spcPct val="90000"/>
+              </a:lnSpc>
+              <a:spcBef>
+                <a:spcPts val="800"/>
+              </a:spcBef>
+              <a:spcAft>
+                <a:spcPts val="0"/>
+              </a:spcAft>
+              <a:buClr>
+                <a:schemeClr val="dk1"/>
+              </a:buClr>
+              <a:buSzPts val="2800"/>
+              <a:buChar char="●"/>
+            </a:pPr>
+            <a:r>
+              <a:rPr lang="en" sz="1800"/>
+              <a:t>&lt; id &gt; := &lt;EXPRESSION&gt;</a:t>
+            </a:r>
+            <a:endParaRPr sz="1800"/>
+          </a:p>
+          <a:p>
+            <a:pPr indent="-266700" lvl="0" marL="177800" rtl="0" algn="l">
+              <a:spcBef>
+                <a:spcPts val="1200"/>
+              </a:spcBef>
+              <a:spcAft>
+                <a:spcPts val="0"/>
+              </a:spcAft>
+              <a:buSzPts val="2800"/>
+              <a:buChar char="●"/>
+            </a:pPr>
+            <a:r>
+              <a:rPr lang="en" sz="1800"/>
+              <a:t>&lt; id &gt; = &lt;EXPRESSION&gt;</a:t>
+            </a:r>
+            <a:endParaRPr sz="1800"/>
+          </a:p>
+          <a:p>
+            <a:pPr indent="-266700" lvl="0" marL="177800" rtl="0" algn="l">
+              <a:spcBef>
+                <a:spcPts val="1200"/>
+              </a:spcBef>
+              <a:spcAft>
+                <a:spcPts val="1200"/>
+              </a:spcAft>
+              <a:buSzPts val="2800"/>
+              <a:buChar char="●"/>
+            </a:pPr>
+            <a:r>
+              <a:rPr lang="en" sz="1800"/>
+              <a:t>&lt; id &gt;  &lt;-  &lt;EXPRESSION&gt;</a:t>
+            </a:r>
+            <a:endParaRPr sz="1800"/>
+          </a:p>
+        </p:txBody>
+      </p:sp>
+      <p:sp>
+        <p:nvSpPr>
+          <p:cNvPr id="223" name="Google Shape;223;p25"/>
+          <p:cNvSpPr txBox="1"/>
+          <p:nvPr>
+            <p:ph idx="12" type="sldNum"/>
+          </p:nvPr>
+        </p:nvSpPr>
+        <p:spPr>
+          <a:xfrm>
+            <a:off x="6457950" y="4767263"/>
+            <a:ext cx="2057400" cy="273900"/>
+          </a:xfrm>
+          <a:prstGeom prst="rect">
+            <a:avLst/>
+          </a:prstGeom>
+          <a:noFill/>
+          <a:ln>
+            <a:noFill/>
+          </a:ln>
+        </p:spPr>
+        <p:txBody>
+          <a:bodyPr anchorCtr="0" anchor="ctr" bIns="34275" lIns="68575" spcFirstLastPara="1" rIns="68575" wrap="square" tIns="34275">
+            <a:normAutofit/>
+          </a:bodyPr>
+          <a:lstStyle/>
+          <a:p>
+            <a:pPr indent="0" lvl="0" marL="0" rtl="0" algn="r">
+              <a:spcBef>
+                <a:spcPts val="0"/>
+              </a:spcBef>
+              <a:spcAft>
+                <a:spcPts val="0"/>
+              </a:spcAft>
+              <a:buNone/>
+            </a:pPr>
+            <a:fld id="{00000000-1234-1234-1234-123412341234}" type="slidenum">
+              <a:rPr lang="en">
+                <a:solidFill>
+                  <a:schemeClr val="lt1"/>
+                </a:solidFill>
+                <a:latin typeface="Lato"/>
+                <a:ea typeface="Lato"/>
+                <a:cs typeface="Lato"/>
+                <a:sym typeface="Lato"/>
+              </a:rPr>
+              <a:t>‹#›</a:t>
+            </a:fld>
+            <a:endParaRPr>
+              <a:solidFill>
+                <a:schemeClr val="lt1"/>
+              </a:solidFill>
+              <a:latin typeface="Lato"/>
+              <a:ea typeface="Lato"/>
+              <a:cs typeface="Lato"/>
+              <a:sym typeface="Lato"/>
+            </a:endParaRPr>
+          </a:p>
+        </p:txBody>
+      </p:sp>
+    </p:spTree>
+  </p:cSld>
+  <p:clrMapOvr>
+    <a:masterClrMapping/>
+  </p:clrMapOvr>
+</p:sld>
+</file>
+
+<file path=ppt/slides/slide12.xml><?xml version="1.0" encoding="utf-8"?>
+<p:sld xmlns:a="http://schemas.openxmlformats.org/drawingml/2006/main" xmlns:r="http://schemas.openxmlformats.org/officeDocument/2006/relationships" xmlns:mc="http://schemas.openxmlformats.org/markup-compatibility/2006" xmlns:mv="urn:schemas-microsoft-com:mac:vml" xmlns:p="http://schemas.openxmlformats.org/presentationml/2006/main" xmlns:c="http://schemas.openxmlformats.org/drawingml/2006/chart" xmlns:dgm="http://schemas.openxmlformats.org/drawingml/2006/diagram" xmlns:o="urn:schemas-microsoft-com:office:office" xmlns:v="urn:schemas-microsoft-com:vml" xmlns:pvml="urn:schemas-microsoft-com:office:powerpoint" xmlns:com="http://schemas.openxmlformats.org/drawingml/2006/compatibility" xmlns:p14="http://schemas.microsoft.com/office/powerpoint/2010/main" xmlns:p15="http://schemas.microsoft.com/office/powerpoint/2012/main" xmlns:ahyp="http://schemas.microsoft.com/office/drawing/2018/hyperlinkcolor">
+  <p:cSld>
+    <p:spTree>
+      <p:nvGrpSpPr>
+        <p:cNvPr id="227" name="Shape 227"/>
+        <p:cNvGrpSpPr/>
+        <p:nvPr/>
+      </p:nvGrpSpPr>
+      <p:grpSpPr>
+        <a:xfrm>
+          <a:off x="0" y="0"/>
+          <a:ext cx="0" cy="0"/>
+          <a:chOff x="0" y="0"/>
+          <a:chExt cx="0" cy="0"/>
+        </a:xfrm>
+      </p:grpSpPr>
+      <p:sp>
+        <p:nvSpPr>
+          <p:cNvPr id="228" name="Google Shape;228;p26"/>
+          <p:cNvSpPr txBox="1"/>
+          <p:nvPr>
+            <p:ph type="title"/>
+          </p:nvPr>
+        </p:nvSpPr>
+        <p:spPr>
+          <a:xfrm>
+            <a:off x="628650" y="273844"/>
             <a:ext cx="7886700" cy="994172"/>
           </a:xfrm>
           <a:prstGeom prst="rect">
@@ -13320,7 +13646,7 @@
       </p:sp>
       <p:sp>
         <p:nvSpPr>
-          <p:cNvPr id="222" name="Google Shape;222;p25"/>
+          <p:cNvPr id="229" name="Google Shape;229;p26"/>
           <p:cNvSpPr txBox="1"/>
           <p:nvPr>
             <p:ph idx="1" type="body"/>
@@ -13555,7 +13881,7 @@
       </p:sp>
       <p:sp>
         <p:nvSpPr>
-          <p:cNvPr id="223" name="Google Shape;223;p25"/>
+          <p:cNvPr id="230" name="Google Shape;230;p26"/>
           <p:cNvSpPr txBox="1"/>
           <p:nvPr/>
         </p:nvSpPr>
@@ -13904,502 +14230,6 @@
               <a:cs typeface="Calibri"/>
               <a:sym typeface="Calibri"/>
             </a:endParaRPr>
-          </a:p>
-        </p:txBody>
-      </p:sp>
-      <p:sp>
-        <p:nvSpPr>
-          <p:cNvPr id="224" name="Google Shape;224;p25"/>
-          <p:cNvSpPr txBox="1"/>
-          <p:nvPr>
-            <p:ph idx="12" type="sldNum"/>
-          </p:nvPr>
-        </p:nvSpPr>
-        <p:spPr>
-          <a:xfrm>
-            <a:off x="6457950" y="4767263"/>
-            <a:ext cx="2057400" cy="273844"/>
-          </a:xfrm>
-          <a:prstGeom prst="rect">
-            <a:avLst/>
-          </a:prstGeom>
-          <a:noFill/>
-          <a:ln>
-            <a:noFill/>
-          </a:ln>
-        </p:spPr>
-        <p:txBody>
-          <a:bodyPr anchorCtr="0" anchor="ctr" bIns="34275" lIns="68575" spcFirstLastPara="1" rIns="68575" wrap="square" tIns="34275">
-            <a:normAutofit/>
-          </a:bodyPr>
-          <a:lstStyle/>
-          <a:p>
-            <a:pPr indent="0" lvl="0" marL="0" rtl="0" algn="r">
-              <a:spcBef>
-                <a:spcPts val="0"/>
-              </a:spcBef>
-              <a:spcAft>
-                <a:spcPts val="0"/>
-              </a:spcAft>
-              <a:buClr>
-                <a:srgbClr val="000000"/>
-              </a:buClr>
-              <a:buFont typeface="Arial"/>
-              <a:buNone/>
-            </a:pPr>
-            <a:fld id="{00000000-1234-1234-1234-123412341234}" type="slidenum">
-              <a:rPr lang="en">
-                <a:solidFill>
-                  <a:schemeClr val="lt1"/>
-                </a:solidFill>
-                <a:latin typeface="Lato"/>
-                <a:ea typeface="Lato"/>
-                <a:cs typeface="Lato"/>
-                <a:sym typeface="Lato"/>
-              </a:rPr>
-              <a:t>‹#›</a:t>
-            </a:fld>
-            <a:endParaRPr>
-              <a:solidFill>
-                <a:schemeClr val="lt1"/>
-              </a:solidFill>
-              <a:latin typeface="Lato"/>
-              <a:ea typeface="Lato"/>
-              <a:cs typeface="Lato"/>
-              <a:sym typeface="Lato"/>
-            </a:endParaRPr>
-          </a:p>
-        </p:txBody>
-      </p:sp>
-    </p:spTree>
-  </p:cSld>
-  <p:clrMapOvr>
-    <a:masterClrMapping/>
-  </p:clrMapOvr>
-</p:sld>
-</file>
-
-<file path=ppt/slides/slide12.xml><?xml version="1.0" encoding="utf-8"?>
-<p:sld xmlns:a="http://schemas.openxmlformats.org/drawingml/2006/main" xmlns:r="http://schemas.openxmlformats.org/officeDocument/2006/relationships" xmlns:mc="http://schemas.openxmlformats.org/markup-compatibility/2006" xmlns:mv="urn:schemas-microsoft-com:mac:vml" xmlns:p="http://schemas.openxmlformats.org/presentationml/2006/main" xmlns:c="http://schemas.openxmlformats.org/drawingml/2006/chart" xmlns:dgm="http://schemas.openxmlformats.org/drawingml/2006/diagram" xmlns:o="urn:schemas-microsoft-com:office:office" xmlns:v="urn:schemas-microsoft-com:vml" xmlns:pvml="urn:schemas-microsoft-com:office:powerpoint" xmlns:com="http://schemas.openxmlformats.org/drawingml/2006/compatibility" xmlns:p14="http://schemas.microsoft.com/office/powerpoint/2010/main" xmlns:p15="http://schemas.microsoft.com/office/powerpoint/2012/main" xmlns:ahyp="http://schemas.microsoft.com/office/drawing/2018/hyperlinkcolor">
-  <p:cSld>
-    <p:spTree>
-      <p:nvGrpSpPr>
-        <p:cNvPr id="228" name="Shape 228"/>
-        <p:cNvGrpSpPr/>
-        <p:nvPr/>
-      </p:nvGrpSpPr>
-      <p:grpSpPr>
-        <a:xfrm>
-          <a:off x="0" y="0"/>
-          <a:ext cx="0" cy="0"/>
-          <a:chOff x="0" y="0"/>
-          <a:chExt cx="0" cy="0"/>
-        </a:xfrm>
-      </p:grpSpPr>
-      <p:sp>
-        <p:nvSpPr>
-          <p:cNvPr id="229" name="Google Shape;229;p26"/>
-          <p:cNvSpPr txBox="1"/>
-          <p:nvPr>
-            <p:ph type="title"/>
-          </p:nvPr>
-        </p:nvSpPr>
-        <p:spPr>
-          <a:xfrm>
-            <a:off x="628650" y="100348"/>
-            <a:ext cx="7886700" cy="717600"/>
-          </a:xfrm>
-          <a:prstGeom prst="rect">
-            <a:avLst/>
-          </a:prstGeom>
-          <a:noFill/>
-          <a:ln>
-            <a:noFill/>
-          </a:ln>
-        </p:spPr>
-        <p:txBody>
-          <a:bodyPr anchorCtr="0" anchor="ctr" bIns="34275" lIns="68575" spcFirstLastPara="1" rIns="68575" wrap="square" tIns="34275">
-            <a:normAutofit/>
-          </a:bodyPr>
-          <a:lstStyle/>
-          <a:p>
-            <a:pPr indent="0" lvl="0" marL="0" rtl="0" algn="l">
-              <a:lnSpc>
-                <a:spcPct val="90000"/>
-              </a:lnSpc>
-              <a:spcBef>
-                <a:spcPts val="0"/>
-              </a:spcBef>
-              <a:spcAft>
-                <a:spcPts val="0"/>
-              </a:spcAft>
-              <a:buClr>
-                <a:schemeClr val="dk1"/>
-              </a:buClr>
-              <a:buSzPts val="3300"/>
-              <a:buFont typeface="Calibri"/>
-              <a:buNone/>
-            </a:pPr>
-            <a:r>
-              <a:rPr lang="en" sz="1800">
-                <a:solidFill>
-                  <a:schemeClr val="lt2"/>
-                </a:solidFill>
-              </a:rPr>
-              <a:t>Les boucles</a:t>
-            </a:r>
-            <a:endParaRPr sz="1800">
-              <a:solidFill>
-                <a:schemeClr val="lt2"/>
-              </a:solidFill>
-            </a:endParaRPr>
-          </a:p>
-        </p:txBody>
-      </p:sp>
-      <p:sp>
-        <p:nvSpPr>
-          <p:cNvPr id="230" name="Google Shape;230;p26"/>
-          <p:cNvSpPr txBox="1"/>
-          <p:nvPr>
-            <p:ph idx="1" type="body"/>
-          </p:nvPr>
-        </p:nvSpPr>
-        <p:spPr>
-          <a:xfrm>
-            <a:off x="628650" y="767400"/>
-            <a:ext cx="7886700" cy="4152900"/>
-          </a:xfrm>
-          <a:prstGeom prst="rect">
-            <a:avLst/>
-          </a:prstGeom>
-          <a:noFill/>
-          <a:ln>
-            <a:noFill/>
-          </a:ln>
-        </p:spPr>
-        <p:txBody>
-          <a:bodyPr anchorCtr="0" anchor="t" bIns="34275" lIns="68575" spcFirstLastPara="1" rIns="68575" wrap="square" tIns="34275">
-            <a:noAutofit/>
-          </a:bodyPr>
-          <a:lstStyle/>
-          <a:p>
-            <a:pPr indent="-146050" lvl="0" marL="177800" rtl="0" algn="l">
-              <a:lnSpc>
-                <a:spcPct val="80000"/>
-              </a:lnSpc>
-              <a:spcBef>
-                <a:spcPts val="0"/>
-              </a:spcBef>
-              <a:spcAft>
-                <a:spcPts val="0"/>
-              </a:spcAft>
-              <a:buClr>
-                <a:schemeClr val="dk1"/>
-              </a:buClr>
-              <a:buSzPts val="1700"/>
-              <a:buChar char="●"/>
-            </a:pPr>
-            <a:r>
-              <a:rPr lang="en" sz="1700" u="sng"/>
-              <a:t>For</a:t>
-            </a:r>
-            <a:endParaRPr sz="1700" u="sng"/>
-          </a:p>
-          <a:p>
-            <a:pPr indent="-171450" lvl="1" marL="520700" rtl="0" algn="l">
-              <a:lnSpc>
-                <a:spcPct val="80000"/>
-              </a:lnSpc>
-              <a:spcBef>
-                <a:spcPts val="400"/>
-              </a:spcBef>
-              <a:spcAft>
-                <a:spcPts val="0"/>
-              </a:spcAft>
-              <a:buClr>
-                <a:schemeClr val="dk1"/>
-              </a:buClr>
-              <a:buSzPts val="1700"/>
-              <a:buChar char="○"/>
-            </a:pPr>
-            <a:r>
-              <a:rPr lang="en" sz="1700"/>
-              <a:t>for (&lt;var-declaration&gt;; &lt;condition&gt;; &lt;step&gt;)     {        [break;|continue;]    } </a:t>
-            </a:r>
-            <a:endParaRPr sz="1700"/>
-          </a:p>
-          <a:p>
-            <a:pPr indent="-171450" lvl="1" marL="520700" rtl="0" algn="l">
-              <a:lnSpc>
-                <a:spcPct val="80000"/>
-              </a:lnSpc>
-              <a:spcBef>
-                <a:spcPts val="400"/>
-              </a:spcBef>
-              <a:spcAft>
-                <a:spcPts val="0"/>
-              </a:spcAft>
-              <a:buClr>
-                <a:schemeClr val="dk1"/>
-              </a:buClr>
-              <a:buSzPts val="1700"/>
-              <a:buChar char="○"/>
-            </a:pPr>
-            <a:r>
-              <a:rPr lang="en" sz="1700"/>
-              <a:t>for (&lt;interator&gt; : &lt;iterable&gt;)    {        }    </a:t>
-            </a:r>
-            <a:endParaRPr sz="1700"/>
-          </a:p>
-          <a:p>
-            <a:pPr indent="-171450" lvl="1" marL="520700" rtl="0" algn="l">
-              <a:lnSpc>
-                <a:spcPct val="80000"/>
-              </a:lnSpc>
-              <a:spcBef>
-                <a:spcPts val="400"/>
-              </a:spcBef>
-              <a:spcAft>
-                <a:spcPts val="0"/>
-              </a:spcAft>
-              <a:buClr>
-                <a:schemeClr val="dk1"/>
-              </a:buClr>
-              <a:buSzPts val="1700"/>
-              <a:buChar char="○"/>
-            </a:pPr>
-            <a:r>
-              <a:rPr lang="en" sz="1700"/>
-              <a:t>for &lt;iterator&gt; in &lt;iterable&gt;:   [break|pass|continue]</a:t>
-            </a:r>
-            <a:endParaRPr sz="1700"/>
-          </a:p>
-          <a:p>
-            <a:pPr indent="-171450" lvl="1" marL="520700" rtl="0" algn="l">
-              <a:lnSpc>
-                <a:spcPct val="80000"/>
-              </a:lnSpc>
-              <a:spcBef>
-                <a:spcPts val="400"/>
-              </a:spcBef>
-              <a:spcAft>
-                <a:spcPts val="0"/>
-              </a:spcAft>
-              <a:buClr>
-                <a:schemeClr val="dk1"/>
-              </a:buClr>
-              <a:buSzPts val="1700"/>
-              <a:buChar char="○"/>
-            </a:pPr>
-            <a:r>
-              <a:rPr lang="en" sz="1700"/>
-              <a:t>for &lt;iterator&gt; in &lt;iterable&gt;:        [break;|continue;]</a:t>
-            </a:r>
-            <a:endParaRPr sz="1700"/>
-          </a:p>
-          <a:p>
-            <a:pPr indent="-171450" lvl="1" marL="520700" rtl="0" algn="l">
-              <a:lnSpc>
-                <a:spcPct val="80000"/>
-              </a:lnSpc>
-              <a:spcBef>
-                <a:spcPts val="400"/>
-              </a:spcBef>
-              <a:spcAft>
-                <a:spcPts val="0"/>
-              </a:spcAft>
-              <a:buClr>
-                <a:schemeClr val="dk1"/>
-              </a:buClr>
-              <a:buSzPts val="1700"/>
-              <a:buChar char="○"/>
-            </a:pPr>
-            <a:r>
-              <a:rPr lang="en" sz="1700"/>
-              <a:t>for &lt;index&gt; := &lt;StartingLow&gt; to EndingHigh do        &lt;statement&gt;;</a:t>
-            </a:r>
-            <a:endParaRPr sz="1700"/>
-          </a:p>
-          <a:p>
-            <a:pPr indent="-171450" lvl="1" marL="520700" rtl="0" algn="l">
-              <a:lnSpc>
-                <a:spcPct val="80000"/>
-              </a:lnSpc>
-              <a:spcBef>
-                <a:spcPts val="400"/>
-              </a:spcBef>
-              <a:spcAft>
-                <a:spcPts val="0"/>
-              </a:spcAft>
-              <a:buSzPts val="1700"/>
-              <a:buChar char="○"/>
-            </a:pPr>
-            <a:r>
-              <a:t/>
-            </a:r>
-            <a:endParaRPr sz="1700"/>
-          </a:p>
-          <a:p>
-            <a:pPr indent="-146050" lvl="0" marL="177800" rtl="0" algn="l">
-              <a:lnSpc>
-                <a:spcPct val="80000"/>
-              </a:lnSpc>
-              <a:spcBef>
-                <a:spcPts val="800"/>
-              </a:spcBef>
-              <a:spcAft>
-                <a:spcPts val="0"/>
-              </a:spcAft>
-              <a:buClr>
-                <a:schemeClr val="dk1"/>
-              </a:buClr>
-              <a:buSzPts val="1700"/>
-              <a:buChar char="●"/>
-            </a:pPr>
-            <a:r>
-              <a:rPr lang="en" sz="1700" u="sng"/>
-              <a:t>While</a:t>
-            </a:r>
-            <a:endParaRPr sz="1700" u="sng"/>
-          </a:p>
-          <a:p>
-            <a:pPr indent="-171450" lvl="1" marL="520700" rtl="0" algn="l">
-              <a:lnSpc>
-                <a:spcPct val="80000"/>
-              </a:lnSpc>
-              <a:spcBef>
-                <a:spcPts val="400"/>
-              </a:spcBef>
-              <a:spcAft>
-                <a:spcPts val="0"/>
-              </a:spcAft>
-              <a:buClr>
-                <a:schemeClr val="dk1"/>
-              </a:buClr>
-              <a:buSzPts val="1700"/>
-              <a:buChar char="○"/>
-            </a:pPr>
-            <a:r>
-              <a:rPr lang="en" sz="1700"/>
-              <a:t>while (&lt;condition&gt;)    {        [break;|continue;]    } </a:t>
-            </a:r>
-            <a:endParaRPr sz="1700"/>
-          </a:p>
-          <a:p>
-            <a:pPr indent="-171450" lvl="1" marL="520700" rtl="0" algn="l">
-              <a:lnSpc>
-                <a:spcPct val="80000"/>
-              </a:lnSpc>
-              <a:spcBef>
-                <a:spcPts val="400"/>
-              </a:spcBef>
-              <a:spcAft>
-                <a:spcPts val="0"/>
-              </a:spcAft>
-              <a:buClr>
-                <a:schemeClr val="dk1"/>
-              </a:buClr>
-              <a:buSzPts val="1700"/>
-              <a:buChar char="○"/>
-            </a:pPr>
-            <a:r>
-              <a:rPr lang="en" sz="1700"/>
-              <a:t>while &lt;condition&gt;:        </a:t>
-            </a:r>
-            <a:endParaRPr sz="1700"/>
-          </a:p>
-          <a:p>
-            <a:pPr indent="-171450" lvl="1" marL="520700" rtl="0" algn="l">
-              <a:lnSpc>
-                <a:spcPct val="80000"/>
-              </a:lnSpc>
-              <a:spcBef>
-                <a:spcPts val="400"/>
-              </a:spcBef>
-              <a:spcAft>
-                <a:spcPts val="0"/>
-              </a:spcAft>
-              <a:buClr>
-                <a:schemeClr val="dk1"/>
-              </a:buClr>
-              <a:buSzPts val="1700"/>
-              <a:buChar char="○"/>
-            </a:pPr>
-            <a:r>
-              <a:rPr lang="en" sz="1700"/>
-              <a:t>while (condition) do   S;</a:t>
-            </a:r>
-            <a:endParaRPr sz="1700"/>
-          </a:p>
-          <a:p>
-            <a:pPr indent="-171450" lvl="1" marL="520700" rtl="0" algn="l">
-              <a:lnSpc>
-                <a:spcPct val="80000"/>
-              </a:lnSpc>
-              <a:spcBef>
-                <a:spcPts val="400"/>
-              </a:spcBef>
-              <a:spcAft>
-                <a:spcPts val="0"/>
-              </a:spcAft>
-              <a:buSzPts val="1700"/>
-              <a:buChar char="○"/>
-            </a:pPr>
-            <a:r>
-              <a:t/>
-            </a:r>
-            <a:endParaRPr sz="1700"/>
-          </a:p>
-          <a:p>
-            <a:pPr indent="-196850" lvl="0" marL="177800" rtl="0" algn="l">
-              <a:spcBef>
-                <a:spcPts val="0"/>
-              </a:spcBef>
-              <a:spcAft>
-                <a:spcPts val="0"/>
-              </a:spcAft>
-              <a:buSzPts val="1700"/>
-              <a:buChar char="●"/>
-            </a:pPr>
-            <a:r>
-              <a:rPr lang="en" sz="1700" u="sng"/>
-              <a:t>Do while</a:t>
-            </a:r>
-            <a:endParaRPr sz="1700" u="sng"/>
-          </a:p>
-          <a:p>
-            <a:pPr indent="-196850" lvl="1" marL="520700" rtl="0" algn="l">
-              <a:spcBef>
-                <a:spcPts val="400"/>
-              </a:spcBef>
-              <a:spcAft>
-                <a:spcPts val="0"/>
-              </a:spcAft>
-              <a:buSzPts val="1700"/>
-              <a:buChar char="○"/>
-            </a:pPr>
-            <a:r>
-              <a:rPr lang="en" sz="1700"/>
-              <a:t> do     {    } while (&lt;condition&gt;); </a:t>
-            </a:r>
-            <a:endParaRPr sz="1700"/>
-          </a:p>
-          <a:p>
-            <a:pPr indent="-196850" lvl="1" marL="520700" rtl="0" algn="l">
-              <a:spcBef>
-                <a:spcPts val="400"/>
-              </a:spcBef>
-              <a:spcAft>
-                <a:spcPts val="1200"/>
-              </a:spcAft>
-              <a:buSzPts val="1700"/>
-              <a:buChar char="○"/>
-            </a:pPr>
-            <a:r>
-              <a:rPr lang="en" sz="1700"/>
-              <a:t>repeat         STATEMENTS      until CONDITION; </a:t>
-            </a:r>
-            <a:endParaRPr sz="1700"/>
           </a:p>
         </p:txBody>
       </p:sp>
@@ -14502,8 +14332,8 @@
         </p:nvSpPr>
         <p:spPr>
           <a:xfrm>
-            <a:off x="628650" y="273848"/>
-            <a:ext cx="7886700" cy="705300"/>
+            <a:off x="628650" y="100348"/>
+            <a:ext cx="7886700" cy="717600"/>
           </a:xfrm>
           <a:prstGeom prst="rect">
             <a:avLst/>
@@ -14519,7 +14349,7 @@
           </a:bodyPr>
           <a:lstStyle/>
           <a:p>
-            <a:pPr indent="0" lvl="0" marL="0" marR="0" rtl="0" algn="l">
+            <a:pPr indent="0" lvl="0" marL="0" rtl="0" algn="l">
               <a:lnSpc>
                 <a:spcPct val="90000"/>
               </a:lnSpc>
@@ -14542,7 +14372,7 @@
                   <a:schemeClr val="lt2"/>
                 </a:solidFill>
               </a:rPr>
-              <a:t>Les conditions</a:t>
+              <a:t>Les boucles</a:t>
             </a:r>
             <a:endParaRPr sz="1800">
               <a:solidFill>
@@ -14562,8 +14392,8 @@
         </p:nvSpPr>
         <p:spPr>
           <a:xfrm>
-            <a:off x="628650" y="1158526"/>
-            <a:ext cx="7886700" cy="3608700"/>
+            <a:off x="628650" y="767400"/>
+            <a:ext cx="7886700" cy="4152900"/>
           </a:xfrm>
           <a:prstGeom prst="rect">
             <a:avLst/>
@@ -14575,13 +14405,13 @@
         </p:spPr>
         <p:txBody>
           <a:bodyPr anchorCtr="0" anchor="t" bIns="34275" lIns="68575" spcFirstLastPara="1" rIns="68575" wrap="square" tIns="34275">
-            <a:normAutofit lnSpcReduction="10000"/>
+            <a:noAutofit/>
           </a:bodyPr>
           <a:lstStyle/>
           <a:p>
-            <a:pPr indent="-209550" lvl="0" marL="177800" rtl="0" algn="l">
+            <a:pPr indent="-146050" lvl="0" marL="177800" rtl="0" algn="l">
               <a:lnSpc>
-                <a:spcPct val="90000"/>
+                <a:spcPct val="80000"/>
               </a:lnSpc>
               <a:spcBef>
                 <a:spcPts val="0"/>
@@ -14592,19 +14422,19 @@
               <a:buClr>
                 <a:schemeClr val="dk1"/>
               </a:buClr>
-              <a:buSzPts val="2700"/>
+              <a:buSzPts val="1700"/>
               <a:buChar char="●"/>
             </a:pPr>
             <a:r>
               <a:rPr lang="en" sz="1700" u="sng"/>
-              <a:t>if</a:t>
+              <a:t>For</a:t>
             </a:r>
             <a:endParaRPr sz="1700" u="sng"/>
           </a:p>
           <a:p>
-            <a:pPr indent="-215900" lvl="1" marL="520700" rtl="0" algn="l">
+            <a:pPr indent="-171450" lvl="1" marL="520700" rtl="0" algn="l">
               <a:lnSpc>
-                <a:spcPct val="90000"/>
+                <a:spcPct val="80000"/>
               </a:lnSpc>
               <a:spcBef>
                 <a:spcPts val="400"/>
@@ -14615,19 +14445,19 @@
               <a:buClr>
                 <a:schemeClr val="dk1"/>
               </a:buClr>
-              <a:buSzPts val="2400"/>
+              <a:buSzPts val="1700"/>
               <a:buChar char="○"/>
             </a:pPr>
             <a:r>
               <a:rPr lang="en" sz="1700"/>
-              <a:t>if &lt;condition&gt;:        ___    elif &lt;condition&gt;:        ___    else:        ___</a:t>
+              <a:t>for (&lt;var-declaration&gt;; &lt;condition&gt;; &lt;step&gt;)     {        [break;|continue;]    } </a:t>
             </a:r>
             <a:endParaRPr sz="1700"/>
           </a:p>
           <a:p>
-            <a:pPr indent="-215900" lvl="1" marL="520700" rtl="0" algn="l">
+            <a:pPr indent="-171450" lvl="1" marL="520700" rtl="0" algn="l">
               <a:lnSpc>
-                <a:spcPct val="90000"/>
+                <a:spcPct val="80000"/>
               </a:lnSpc>
               <a:spcBef>
                 <a:spcPts val="400"/>
@@ -14638,41 +14468,22 @@
               <a:buClr>
                 <a:schemeClr val="dk1"/>
               </a:buClr>
-              <a:buSzPts val="2400"/>
+              <a:buSzPts val="1700"/>
               <a:buChar char="○"/>
             </a:pPr>
             <a:r>
               <a:rPr lang="en" sz="1700"/>
-              <a:t>if (&lt;condition&gt;)     {    }     else if (&lt;condition&gt;)    {    }     else     {    }</a:t>
+              <a:t>for (&lt;interator&gt; : &lt;iterable&gt;)    {        }    </a:t>
             </a:r>
             <a:endParaRPr sz="1700"/>
           </a:p>
           <a:p>
             <a:pPr indent="-171450" lvl="1" marL="520700" rtl="0" algn="l">
               <a:lnSpc>
-                <a:spcPct val="90000"/>
+                <a:spcPct val="80000"/>
               </a:lnSpc>
               <a:spcBef>
                 <a:spcPts val="400"/>
-              </a:spcBef>
-              <a:spcAft>
-                <a:spcPts val="0"/>
-              </a:spcAft>
-              <a:buSzPts val="1700"/>
-              <a:buChar char="○"/>
-            </a:pPr>
-            <a:r>
-              <a:t/>
-            </a:r>
-            <a:endParaRPr sz="1700"/>
-          </a:p>
-          <a:p>
-            <a:pPr indent="-209550" lvl="0" marL="177800" rtl="0" algn="l">
-              <a:lnSpc>
-                <a:spcPct val="90000"/>
-              </a:lnSpc>
-              <a:spcBef>
-                <a:spcPts val="800"/>
               </a:spcBef>
               <a:spcAft>
                 <a:spcPts val="0"/>
@@ -14680,19 +14491,19 @@
               <a:buClr>
                 <a:schemeClr val="dk1"/>
               </a:buClr>
-              <a:buSzPts val="2700"/>
-              <a:buChar char="●"/>
-            </a:pPr>
-            <a:r>
-              <a:rPr lang="en" sz="1700" u="sng"/>
-              <a:t>Switch</a:t>
-            </a:r>
-            <a:endParaRPr sz="1700" u="sng"/>
-          </a:p>
-          <a:p>
-            <a:pPr indent="-215900" lvl="1" marL="520700" rtl="0" algn="l">
+              <a:buSzPts val="1700"/>
+              <a:buChar char="○"/>
+            </a:pPr>
+            <a:r>
+              <a:rPr lang="en" sz="1700"/>
+              <a:t>for &lt;iterator&gt; in &lt;iterable&gt;:   [break|pass|continue]</a:t>
+            </a:r>
+            <a:endParaRPr sz="1700"/>
+          </a:p>
+          <a:p>
+            <a:pPr indent="-171450" lvl="1" marL="520700" rtl="0" algn="l">
               <a:lnSpc>
-                <a:spcPct val="90000"/>
+                <a:spcPct val="80000"/>
               </a:lnSpc>
               <a:spcBef>
                 <a:spcPts val="400"/>
@@ -14703,41 +14514,22 @@
               <a:buClr>
                 <a:schemeClr val="dk1"/>
               </a:buClr>
-              <a:buSzPts val="2400"/>
+              <a:buSzPts val="1700"/>
               <a:buChar char="○"/>
             </a:pPr>
             <a:r>
               <a:rPr lang="en" sz="1700"/>
-              <a:t>switch ()    {        case __: ____; break;        default: ___;    }</a:t>
+              <a:t>for &lt;iterator&gt; in &lt;iterable&gt;:        [break;|continue;]</a:t>
             </a:r>
             <a:endParaRPr sz="1700"/>
           </a:p>
           <a:p>
             <a:pPr indent="-171450" lvl="1" marL="520700" rtl="0" algn="l">
               <a:lnSpc>
-                <a:spcPct val="90000"/>
+                <a:spcPct val="80000"/>
               </a:lnSpc>
               <a:spcBef>
                 <a:spcPts val="400"/>
-              </a:spcBef>
-              <a:spcAft>
-                <a:spcPts val="0"/>
-              </a:spcAft>
-              <a:buSzPts val="1700"/>
-              <a:buChar char="○"/>
-            </a:pPr>
-            <a:r>
-              <a:t/>
-            </a:r>
-            <a:endParaRPr sz="1700"/>
-          </a:p>
-          <a:p>
-            <a:pPr indent="-209550" lvl="0" marL="177800" rtl="0" algn="l">
-              <a:lnSpc>
-                <a:spcPct val="90000"/>
-              </a:lnSpc>
-              <a:spcBef>
-                <a:spcPts val="800"/>
               </a:spcBef>
               <a:spcAft>
                 <a:spcPts val="0"/>
@@ -14745,26 +14537,41 @@
               <a:buClr>
                 <a:schemeClr val="dk1"/>
               </a:buClr>
-              <a:buSzPts val="2700"/>
-              <a:buChar char="●"/>
+              <a:buSzPts val="1700"/>
+              <a:buChar char="○"/>
             </a:pPr>
             <a:r>
               <a:rPr lang="en" sz="1700"/>
-              <a:t> </a:t>
-            </a:r>
-            <a:r>
-              <a:rPr lang="en" sz="1700" u="sng"/>
-              <a:t>Opérateur conditionnel - ?:</a:t>
-            </a:r>
-            <a:endParaRPr sz="1700" u="sng"/>
-          </a:p>
-          <a:p>
-            <a:pPr indent="-215900" lvl="1" marL="520700" rtl="0" algn="l">
+              <a:t>for &lt;index&gt; := &lt;StartingLow&gt; to EndingHigh do        &lt;statement&gt;;</a:t>
+            </a:r>
+            <a:endParaRPr sz="1700"/>
+          </a:p>
+          <a:p>
+            <a:pPr indent="-171450" lvl="1" marL="520700" rtl="0" algn="l">
               <a:lnSpc>
-                <a:spcPct val="90000"/>
+                <a:spcPct val="80000"/>
               </a:lnSpc>
               <a:spcBef>
                 <a:spcPts val="400"/>
+              </a:spcBef>
+              <a:spcAft>
+                <a:spcPts val="0"/>
+              </a:spcAft>
+              <a:buSzPts val="1700"/>
+              <a:buChar char="○"/>
+            </a:pPr>
+            <a:r>
+              <a:t/>
+            </a:r>
+            <a:endParaRPr sz="1700"/>
+          </a:p>
+          <a:p>
+            <a:pPr indent="-146050" lvl="0" marL="177800" rtl="0" algn="l">
+              <a:lnSpc>
+                <a:spcPct val="80000"/>
+              </a:lnSpc>
+              <a:spcBef>
+                <a:spcPts val="800"/>
               </a:spcBef>
               <a:spcAft>
                 <a:spcPts val="0"/>
@@ -14772,35 +14579,151 @@
               <a:buClr>
                 <a:schemeClr val="dk1"/>
               </a:buClr>
-              <a:buSzPts val="2400"/>
-              <a:buChar char="○"/>
-            </a:pPr>
-            <a:r>
-              <a:rPr lang="en" sz="1700"/>
-              <a:t>&lt;condition&gt; ? &lt;if_true&gt; : &lt;if_false&gt;        </a:t>
-            </a:r>
-            <a:endParaRPr sz="1700"/>
-          </a:p>
-          <a:p>
-            <a:pPr indent="0" lvl="1" marL="342900" rtl="0" algn="l">
+              <a:buSzPts val="1700"/>
+              <a:buChar char="●"/>
+            </a:pPr>
+            <a:r>
+              <a:rPr lang="en" sz="1700" u="sng"/>
+              <a:t>While</a:t>
+            </a:r>
+            <a:endParaRPr sz="1700" u="sng"/>
+          </a:p>
+          <a:p>
+            <a:pPr indent="-171450" lvl="1" marL="520700" rtl="0" algn="l">
               <a:lnSpc>
-                <a:spcPct val="90000"/>
+                <a:spcPct val="80000"/>
               </a:lnSpc>
               <a:spcBef>
                 <a:spcPts val="400"/>
               </a:spcBef>
               <a:spcAft>
-                <a:spcPts val="1200"/>
+                <a:spcPts val="0"/>
               </a:spcAft>
               <a:buClr>
                 <a:schemeClr val="dk1"/>
               </a:buClr>
-              <a:buSzPts val="1800"/>
-              <a:buNone/>
+              <a:buSzPts val="1700"/>
+              <a:buChar char="○"/>
             </a:pPr>
             <a:r>
               <a:rPr lang="en" sz="1700"/>
-              <a:t> </a:t>
+              <a:t>while (&lt;condition&gt;)    {        [break;|continue;]    } </a:t>
+            </a:r>
+            <a:endParaRPr sz="1700"/>
+          </a:p>
+          <a:p>
+            <a:pPr indent="-171450" lvl="1" marL="520700" rtl="0" algn="l">
+              <a:lnSpc>
+                <a:spcPct val="80000"/>
+              </a:lnSpc>
+              <a:spcBef>
+                <a:spcPts val="400"/>
+              </a:spcBef>
+              <a:spcAft>
+                <a:spcPts val="0"/>
+              </a:spcAft>
+              <a:buClr>
+                <a:schemeClr val="dk1"/>
+              </a:buClr>
+              <a:buSzPts val="1700"/>
+              <a:buChar char="○"/>
+            </a:pPr>
+            <a:r>
+              <a:rPr lang="en" sz="1700"/>
+              <a:t>while &lt;condition&gt;:        </a:t>
+            </a:r>
+            <a:endParaRPr sz="1700"/>
+          </a:p>
+          <a:p>
+            <a:pPr indent="-171450" lvl="1" marL="520700" rtl="0" algn="l">
+              <a:lnSpc>
+                <a:spcPct val="80000"/>
+              </a:lnSpc>
+              <a:spcBef>
+                <a:spcPts val="400"/>
+              </a:spcBef>
+              <a:spcAft>
+                <a:spcPts val="0"/>
+              </a:spcAft>
+              <a:buClr>
+                <a:schemeClr val="dk1"/>
+              </a:buClr>
+              <a:buSzPts val="1700"/>
+              <a:buChar char="○"/>
+            </a:pPr>
+            <a:r>
+              <a:rPr lang="en" sz="1700"/>
+              <a:t>while (condition) do   S;</a:t>
+            </a:r>
+            <a:endParaRPr sz="1700"/>
+          </a:p>
+          <a:p>
+            <a:pPr indent="-171450" lvl="1" marL="520700" rtl="0" algn="l">
+              <a:lnSpc>
+                <a:spcPct val="80000"/>
+              </a:lnSpc>
+              <a:spcBef>
+                <a:spcPts val="400"/>
+              </a:spcBef>
+              <a:spcAft>
+                <a:spcPts val="0"/>
+              </a:spcAft>
+              <a:buSzPts val="1700"/>
+              <a:buChar char="○"/>
+            </a:pPr>
+            <a:r>
+              <a:t/>
+            </a:r>
+            <a:endParaRPr sz="1700"/>
+          </a:p>
+          <a:p>
+            <a:pPr indent="-196850" lvl="0" marL="177800" rtl="0" algn="l">
+              <a:spcBef>
+                <a:spcPts val="0"/>
+              </a:spcBef>
+              <a:spcAft>
+                <a:spcPts val="0"/>
+              </a:spcAft>
+              <a:buSzPts val="1700"/>
+              <a:buChar char="●"/>
+            </a:pPr>
+            <a:r>
+              <a:rPr lang="en" sz="1700" u="sng"/>
+              <a:t>Do while</a:t>
+            </a:r>
+            <a:endParaRPr sz="1700" u="sng"/>
+          </a:p>
+          <a:p>
+            <a:pPr indent="-196850" lvl="1" marL="520700" rtl="0" algn="l">
+              <a:spcBef>
+                <a:spcPts val="400"/>
+              </a:spcBef>
+              <a:spcAft>
+                <a:spcPts val="0"/>
+              </a:spcAft>
+              <a:buSzPts val="1700"/>
+              <a:buChar char="○"/>
+            </a:pPr>
+            <a:r>
+              <a:rPr lang="en" sz="1700"/>
+              <a:t> do     {    } while (&lt;condition&gt;); </a:t>
+            </a:r>
+            <a:endParaRPr sz="1700"/>
+          </a:p>
+          <a:p>
+            <a:pPr indent="-196850" lvl="1" marL="520700" rtl="0" algn="l">
+              <a:spcBef>
+                <a:spcPts val="400"/>
+              </a:spcBef>
+              <a:spcAft>
+                <a:spcPts val="1200"/>
+              </a:spcAft>
+              <a:buSzPts val="1700"/>
+              <a:buChar char="○"/>
+            </a:pPr>
+            <a:r>
+              <a:rPr lang="en" sz="1700"/>
+              <a:t>repeat         STATEMENTS      until CONDITION; </a:t>
             </a:r>
             <a:endParaRPr sz="1700"/>
           </a:p>
@@ -14905,8 +14828,8 @@
         </p:nvSpPr>
         <p:spPr>
           <a:xfrm>
-            <a:off x="628650" y="273844"/>
-            <a:ext cx="7886700" cy="994172"/>
+            <a:off x="628650" y="273848"/>
+            <a:ext cx="7886700" cy="705300"/>
           </a:xfrm>
           <a:prstGeom prst="rect">
             <a:avLst/>
@@ -14922,7 +14845,7 @@
           </a:bodyPr>
           <a:lstStyle/>
           <a:p>
-            <a:pPr indent="0" lvl="0" marL="0" rtl="0" algn="l">
+            <a:pPr indent="0" lvl="0" marL="0" marR="0" rtl="0" algn="l">
               <a:lnSpc>
                 <a:spcPct val="90000"/>
               </a:lnSpc>
@@ -14945,7 +14868,7 @@
                   <a:schemeClr val="lt2"/>
                 </a:solidFill>
               </a:rPr>
-              <a:t>Les fonctions</a:t>
+              <a:t>Les conditions</a:t>
             </a:r>
             <a:endParaRPr sz="1800">
               <a:solidFill>
@@ -14965,8 +14888,8 @@
         </p:nvSpPr>
         <p:spPr>
           <a:xfrm>
-            <a:off x="464725" y="1332023"/>
-            <a:ext cx="8214600" cy="2200200"/>
+            <a:off x="628650" y="1158526"/>
+            <a:ext cx="7886700" cy="3608700"/>
           </a:xfrm>
           <a:prstGeom prst="rect">
             <a:avLst/>
@@ -14978,11 +14901,11 @@
         </p:spPr>
         <p:txBody>
           <a:bodyPr anchorCtr="0" anchor="t" bIns="34275" lIns="68575" spcFirstLastPara="1" rIns="68575" wrap="square" tIns="34275">
-            <a:normAutofit/>
+            <a:normAutofit lnSpcReduction="10000"/>
           </a:bodyPr>
           <a:lstStyle/>
           <a:p>
-            <a:pPr indent="-222250" lvl="1" marL="520700" rtl="0" algn="l">
+            <a:pPr indent="-209550" lvl="0" marL="177800" rtl="0" algn="l">
               <a:lnSpc>
                 <a:spcPct val="90000"/>
               </a:lnSpc>
@@ -14995,17 +14918,17 @@
               <a:buClr>
                 <a:schemeClr val="dk1"/>
               </a:buClr>
-              <a:buSzPts val="2500"/>
-              <a:buChar char="○"/>
-            </a:pPr>
-            <a:r>
-              <a:rPr lang="en" sz="1800"/>
-              <a:t>&lt;function_name&gt;([parameters, ...]);</a:t>
-            </a:r>
-            <a:endParaRPr sz="1800"/>
-          </a:p>
-          <a:p>
-            <a:pPr indent="-222250" lvl="1" marL="520700" rtl="0" algn="l">
+              <a:buSzPts val="2700"/>
+              <a:buChar char="●"/>
+            </a:pPr>
+            <a:r>
+              <a:rPr lang="en" sz="1700" u="sng"/>
+              <a:t>if</a:t>
+            </a:r>
+            <a:endParaRPr sz="1700" u="sng"/>
+          </a:p>
+          <a:p>
+            <a:pPr indent="-215900" lvl="1" marL="520700" rtl="0" algn="l">
               <a:lnSpc>
                 <a:spcPct val="90000"/>
               </a:lnSpc>
@@ -15018,17 +14941,17 @@
               <a:buClr>
                 <a:schemeClr val="dk1"/>
               </a:buClr>
-              <a:buSzPts val="2500"/>
+              <a:buSzPts val="2400"/>
               <a:buChar char="○"/>
             </a:pPr>
             <a:r>
-              <a:rPr lang="en" sz="1800"/>
-              <a:t>function &lt;function_name&gt;(....)     {    }</a:t>
-            </a:r>
-            <a:endParaRPr sz="1800"/>
-          </a:p>
-          <a:p>
-            <a:pPr indent="-222250" lvl="1" marL="520700" rtl="0" algn="l">
+              <a:rPr lang="en" sz="1700"/>
+              <a:t>if &lt;condition&gt;:        ___    elif &lt;condition&gt;:        ___    else:        ___</a:t>
+            </a:r>
+            <a:endParaRPr sz="1700"/>
+          </a:p>
+          <a:p>
+            <a:pPr indent="-215900" lvl="1" marL="520700" rtl="0" algn="l">
               <a:lnSpc>
                 <a:spcPct val="90000"/>
               </a:lnSpc>
@@ -15041,17 +14964,17 @@
               <a:buClr>
                 <a:schemeClr val="dk1"/>
               </a:buClr>
-              <a:buSzPts val="2500"/>
+              <a:buSzPts val="2400"/>
               <a:buChar char="○"/>
             </a:pPr>
             <a:r>
-              <a:rPr lang="en" sz="1800"/>
-              <a:t> def &lt;function_name&gt;(...):        ______        return </a:t>
-            </a:r>
-            <a:endParaRPr sz="1800"/>
-          </a:p>
-          <a:p>
-            <a:pPr indent="-222250" lvl="1" marL="520700" rtl="0" algn="l">
+              <a:rPr lang="en" sz="1700"/>
+              <a:t>if (&lt;condition&gt;)     {    }     else if (&lt;condition&gt;)    {    }     else     {    }</a:t>
+            </a:r>
+            <a:endParaRPr sz="1700"/>
+          </a:p>
+          <a:p>
+            <a:pPr indent="-171450" lvl="1" marL="520700" rtl="0" algn="l">
               <a:lnSpc>
                 <a:spcPct val="90000"/>
               </a:lnSpc>
@@ -15061,17 +14984,151 @@
               <a:spcAft>
                 <a:spcPts val="0"/>
               </a:spcAft>
+              <a:buSzPts val="1700"/>
+              <a:buChar char="○"/>
+            </a:pPr>
+            <a:r>
+              <a:t/>
+            </a:r>
+            <a:endParaRPr sz="1700"/>
+          </a:p>
+          <a:p>
+            <a:pPr indent="-209550" lvl="0" marL="177800" rtl="0" algn="l">
+              <a:lnSpc>
+                <a:spcPct val="90000"/>
+              </a:lnSpc>
+              <a:spcBef>
+                <a:spcPts val="800"/>
+              </a:spcBef>
+              <a:spcAft>
+                <a:spcPts val="0"/>
+              </a:spcAft>
               <a:buClr>
                 <a:schemeClr val="dk1"/>
               </a:buClr>
-              <a:buSzPts val="2500"/>
+              <a:buSzPts val="2700"/>
+              <a:buChar char="●"/>
+            </a:pPr>
+            <a:r>
+              <a:rPr lang="en" sz="1700" u="sng"/>
+              <a:t>Switch</a:t>
+            </a:r>
+            <a:endParaRPr sz="1700" u="sng"/>
+          </a:p>
+          <a:p>
+            <a:pPr indent="-215900" lvl="1" marL="520700" rtl="0" algn="l">
+              <a:lnSpc>
+                <a:spcPct val="90000"/>
+              </a:lnSpc>
+              <a:spcBef>
+                <a:spcPts val="400"/>
+              </a:spcBef>
+              <a:spcAft>
+                <a:spcPts val="0"/>
+              </a:spcAft>
+              <a:buClr>
+                <a:schemeClr val="dk1"/>
+              </a:buClr>
+              <a:buSzPts val="2400"/>
               <a:buChar char="○"/>
             </a:pPr>
             <a:r>
-              <a:rPr lang="en" sz="1800"/>
-              <a:t>&lt;return_type&gt; &lt;function_name&gt;([&lt;variable_declaration&gt;, ...])     {    return    }</a:t>
-            </a:r>
-            <a:endParaRPr sz="1800"/>
+              <a:rPr lang="en" sz="1700"/>
+              <a:t>switch ()    {        case __: ____; break;        default: ___;    }</a:t>
+            </a:r>
+            <a:endParaRPr sz="1700"/>
+          </a:p>
+          <a:p>
+            <a:pPr indent="-171450" lvl="1" marL="520700" rtl="0" algn="l">
+              <a:lnSpc>
+                <a:spcPct val="90000"/>
+              </a:lnSpc>
+              <a:spcBef>
+                <a:spcPts val="400"/>
+              </a:spcBef>
+              <a:spcAft>
+                <a:spcPts val="0"/>
+              </a:spcAft>
+              <a:buSzPts val="1700"/>
+              <a:buChar char="○"/>
+            </a:pPr>
+            <a:r>
+              <a:t/>
+            </a:r>
+            <a:endParaRPr sz="1700"/>
+          </a:p>
+          <a:p>
+            <a:pPr indent="-209550" lvl="0" marL="177800" rtl="0" algn="l">
+              <a:lnSpc>
+                <a:spcPct val="90000"/>
+              </a:lnSpc>
+              <a:spcBef>
+                <a:spcPts val="800"/>
+              </a:spcBef>
+              <a:spcAft>
+                <a:spcPts val="0"/>
+              </a:spcAft>
+              <a:buClr>
+                <a:schemeClr val="dk1"/>
+              </a:buClr>
+              <a:buSzPts val="2700"/>
+              <a:buChar char="●"/>
+            </a:pPr>
+            <a:r>
+              <a:rPr lang="en" sz="1700"/>
+              <a:t> </a:t>
+            </a:r>
+            <a:r>
+              <a:rPr lang="en" sz="1700" u="sng"/>
+              <a:t>Opérateur conditionnel - ?:</a:t>
+            </a:r>
+            <a:endParaRPr sz="1700" u="sng"/>
+          </a:p>
+          <a:p>
+            <a:pPr indent="-215900" lvl="1" marL="520700" rtl="0" algn="l">
+              <a:lnSpc>
+                <a:spcPct val="90000"/>
+              </a:lnSpc>
+              <a:spcBef>
+                <a:spcPts val="400"/>
+              </a:spcBef>
+              <a:spcAft>
+                <a:spcPts val="0"/>
+              </a:spcAft>
+              <a:buClr>
+                <a:schemeClr val="dk1"/>
+              </a:buClr>
+              <a:buSzPts val="2400"/>
+              <a:buChar char="○"/>
+            </a:pPr>
+            <a:r>
+              <a:rPr lang="en" sz="1700"/>
+              <a:t>&lt;condition&gt; ? &lt;if_true&gt; : &lt;if_false&gt;        </a:t>
+            </a:r>
+            <a:endParaRPr sz="1700"/>
+          </a:p>
+          <a:p>
+            <a:pPr indent="0" lvl="1" marL="342900" rtl="0" algn="l">
+              <a:lnSpc>
+                <a:spcPct val="90000"/>
+              </a:lnSpc>
+              <a:spcBef>
+                <a:spcPts val="400"/>
+              </a:spcBef>
+              <a:spcAft>
+                <a:spcPts val="1200"/>
+              </a:spcAft>
+              <a:buClr>
+                <a:schemeClr val="dk1"/>
+              </a:buClr>
+              <a:buSzPts val="1800"/>
+              <a:buNone/>
+            </a:pPr>
+            <a:r>
+              <a:rPr lang="en" sz="1700"/>
+              <a:t> </a:t>
+            </a:r>
+            <a:endParaRPr sz="1700"/>
           </a:p>
         </p:txBody>
       </p:sp>
@@ -15174,12 +15231,16 @@
         </p:nvSpPr>
         <p:spPr>
           <a:xfrm>
-            <a:off x="628650" y="2074644"/>
-            <a:ext cx="7886700" cy="994200"/>
+            <a:off x="628650" y="273844"/>
+            <a:ext cx="7886700" cy="994172"/>
           </a:xfrm>
           <a:prstGeom prst="rect">
             <a:avLst/>
           </a:prstGeom>
+          <a:noFill/>
+          <a:ln>
+            <a:noFill/>
+          </a:ln>
         </p:spPr>
         <p:txBody>
           <a:bodyPr anchorCtr="0" anchor="ctr" bIns="34275" lIns="68575" spcFirstLastPara="1" rIns="68575" wrap="square" tIns="34275">
@@ -15187,27 +15248,219 @@
           </a:bodyPr>
           <a:lstStyle/>
           <a:p>
-            <a:pPr indent="0" lvl="0" marL="0" rtl="0" algn="ctr">
-              <a:spcBef>
-                <a:spcPts val="0"/>
-              </a:spcBef>
-              <a:spcAft>
-                <a:spcPts val="0"/>
-              </a:spcAft>
-              <a:buNone/>
-            </a:pPr>
-            <a:r>
-              <a:rPr lang="en" sz="3700">
+            <a:pPr indent="0" lvl="0" marL="0" rtl="0" algn="l">
+              <a:lnSpc>
+                <a:spcPct val="90000"/>
+              </a:lnSpc>
+              <a:spcBef>
+                <a:spcPts val="0"/>
+              </a:spcBef>
+              <a:spcAft>
+                <a:spcPts val="0"/>
+              </a:spcAft>
+              <a:buClr>
+                <a:schemeClr val="dk1"/>
+              </a:buClr>
+              <a:buSzPts val="3300"/>
+              <a:buFont typeface="Calibri"/>
+              <a:buNone/>
+            </a:pPr>
+            <a:r>
+              <a:rPr lang="en" sz="1800">
                 <a:solidFill>
-                  <a:schemeClr val="accent5"/>
+                  <a:schemeClr val="lt2"/>
                 </a:solidFill>
               </a:rPr>
-              <a:t>Test du code</a:t>
-            </a:r>
-            <a:endParaRPr sz="3700">
+              <a:t>Les fonctions</a:t>
+            </a:r>
+            <a:endParaRPr sz="1800">
               <a:solidFill>
-                <a:schemeClr val="accent5"/>
+                <a:schemeClr val="lt2"/>
               </a:solidFill>
+            </a:endParaRPr>
+          </a:p>
+        </p:txBody>
+      </p:sp>
+      <p:sp>
+        <p:nvSpPr>
+          <p:cNvPr id="251" name="Google Shape;251;p29"/>
+          <p:cNvSpPr txBox="1"/>
+          <p:nvPr>
+            <p:ph idx="1" type="body"/>
+          </p:nvPr>
+        </p:nvSpPr>
+        <p:spPr>
+          <a:xfrm>
+            <a:off x="464725" y="1332023"/>
+            <a:ext cx="8214600" cy="2200200"/>
+          </a:xfrm>
+          <a:prstGeom prst="rect">
+            <a:avLst/>
+          </a:prstGeom>
+          <a:noFill/>
+          <a:ln>
+            <a:noFill/>
+          </a:ln>
+        </p:spPr>
+        <p:txBody>
+          <a:bodyPr anchorCtr="0" anchor="t" bIns="34275" lIns="68575" spcFirstLastPara="1" rIns="68575" wrap="square" tIns="34275">
+            <a:normAutofit/>
+          </a:bodyPr>
+          <a:lstStyle/>
+          <a:p>
+            <a:pPr indent="-222250" lvl="1" marL="520700" rtl="0" algn="l">
+              <a:lnSpc>
+                <a:spcPct val="90000"/>
+              </a:lnSpc>
+              <a:spcBef>
+                <a:spcPts val="0"/>
+              </a:spcBef>
+              <a:spcAft>
+                <a:spcPts val="0"/>
+              </a:spcAft>
+              <a:buClr>
+                <a:schemeClr val="dk1"/>
+              </a:buClr>
+              <a:buSzPts val="2500"/>
+              <a:buChar char="○"/>
+            </a:pPr>
+            <a:r>
+              <a:rPr lang="en" sz="1800"/>
+              <a:t>&lt;function_name&gt;([parameters, ...]);</a:t>
+            </a:r>
+            <a:endParaRPr sz="1800"/>
+          </a:p>
+          <a:p>
+            <a:pPr indent="-222250" lvl="1" marL="520700" rtl="0" algn="l">
+              <a:lnSpc>
+                <a:spcPct val="90000"/>
+              </a:lnSpc>
+              <a:spcBef>
+                <a:spcPts val="400"/>
+              </a:spcBef>
+              <a:spcAft>
+                <a:spcPts val="0"/>
+              </a:spcAft>
+              <a:buClr>
+                <a:schemeClr val="dk1"/>
+              </a:buClr>
+              <a:buSzPts val="2500"/>
+              <a:buChar char="○"/>
+            </a:pPr>
+            <a:r>
+              <a:rPr lang="en" sz="1800"/>
+              <a:t>function &lt;function_name&gt;(....)     {    }</a:t>
+            </a:r>
+            <a:endParaRPr sz="1800"/>
+          </a:p>
+          <a:p>
+            <a:pPr indent="-222250" lvl="1" marL="520700" rtl="0" algn="l">
+              <a:lnSpc>
+                <a:spcPct val="90000"/>
+              </a:lnSpc>
+              <a:spcBef>
+                <a:spcPts val="400"/>
+              </a:spcBef>
+              <a:spcAft>
+                <a:spcPts val="0"/>
+              </a:spcAft>
+              <a:buClr>
+                <a:schemeClr val="dk1"/>
+              </a:buClr>
+              <a:buSzPts val="2500"/>
+              <a:buChar char="○"/>
+            </a:pPr>
+            <a:r>
+              <a:rPr lang="en" sz="1800"/>
+              <a:t> def &lt;function_name&gt;(...):        ______        return </a:t>
+            </a:r>
+            <a:endParaRPr sz="1800"/>
+          </a:p>
+          <a:p>
+            <a:pPr indent="-222250" lvl="1" marL="520700" rtl="0" algn="l">
+              <a:lnSpc>
+                <a:spcPct val="90000"/>
+              </a:lnSpc>
+              <a:spcBef>
+                <a:spcPts val="400"/>
+              </a:spcBef>
+              <a:spcAft>
+                <a:spcPts val="0"/>
+              </a:spcAft>
+              <a:buClr>
+                <a:schemeClr val="dk1"/>
+              </a:buClr>
+              <a:buSzPts val="2500"/>
+              <a:buChar char="○"/>
+            </a:pPr>
+            <a:r>
+              <a:rPr lang="en" sz="1800"/>
+              <a:t>&lt;return_type&gt; &lt;function_name&gt;([&lt;variable_declaration&gt;, ...])     {    return    }</a:t>
+            </a:r>
+            <a:endParaRPr sz="1800"/>
+          </a:p>
+        </p:txBody>
+      </p:sp>
+      <p:sp>
+        <p:nvSpPr>
+          <p:cNvPr id="252" name="Google Shape;252;p29"/>
+          <p:cNvSpPr txBox="1"/>
+          <p:nvPr>
+            <p:ph idx="12" type="sldNum"/>
+          </p:nvPr>
+        </p:nvSpPr>
+        <p:spPr>
+          <a:xfrm>
+            <a:off x="6457950" y="4767263"/>
+            <a:ext cx="2057400" cy="273844"/>
+          </a:xfrm>
+          <a:prstGeom prst="rect">
+            <a:avLst/>
+          </a:prstGeom>
+          <a:noFill/>
+          <a:ln>
+            <a:noFill/>
+          </a:ln>
+        </p:spPr>
+        <p:txBody>
+          <a:bodyPr anchorCtr="0" anchor="ctr" bIns="34275" lIns="68575" spcFirstLastPara="1" rIns="68575" wrap="square" tIns="34275">
+            <a:normAutofit/>
+          </a:bodyPr>
+          <a:lstStyle/>
+          <a:p>
+            <a:pPr indent="0" lvl="0" marL="0" rtl="0" algn="r">
+              <a:spcBef>
+                <a:spcPts val="0"/>
+              </a:spcBef>
+              <a:spcAft>
+                <a:spcPts val="0"/>
+              </a:spcAft>
+              <a:buClr>
+                <a:srgbClr val="000000"/>
+              </a:buClr>
+              <a:buFont typeface="Arial"/>
+              <a:buNone/>
+            </a:pPr>
+            <a:fld id="{00000000-1234-1234-1234-123412341234}" type="slidenum">
+              <a:rPr lang="en">
+                <a:solidFill>
+                  <a:schemeClr val="lt1"/>
+                </a:solidFill>
+                <a:latin typeface="Lato"/>
+                <a:ea typeface="Lato"/>
+                <a:cs typeface="Lato"/>
+                <a:sym typeface="Lato"/>
+              </a:rPr>
+              <a:t>‹#›</a:t>
+            </a:fld>
+            <a:endParaRPr>
+              <a:solidFill>
+                <a:schemeClr val="lt1"/>
+              </a:solidFill>
+              <a:latin typeface="Lato"/>
+              <a:ea typeface="Lato"/>
+              <a:cs typeface="Lato"/>
+              <a:sym typeface="Lato"/>
             </a:endParaRPr>
           </a:p>
         </p:txBody>
@@ -15225,7 +15478,7 @@
   <p:cSld>
     <p:spTree>
       <p:nvGrpSpPr>
-        <p:cNvPr id="254" name="Shape 254"/>
+        <p:cNvPr id="256" name="Shape 256"/>
         <p:cNvGrpSpPr/>
         <p:nvPr/>
       </p:nvGrpSpPr>
@@ -15239,7 +15492,80 @@
       </p:grpSpPr>
       <p:sp>
         <p:nvSpPr>
-          <p:cNvPr id="255" name="Google Shape;255;p30"/>
+          <p:cNvPr id="257" name="Google Shape;257;p30"/>
+          <p:cNvSpPr txBox="1"/>
+          <p:nvPr>
+            <p:ph type="title"/>
+          </p:nvPr>
+        </p:nvSpPr>
+        <p:spPr>
+          <a:xfrm>
+            <a:off x="628650" y="2074644"/>
+            <a:ext cx="7886700" cy="994200"/>
+          </a:xfrm>
+          <a:prstGeom prst="rect">
+            <a:avLst/>
+          </a:prstGeom>
+        </p:spPr>
+        <p:txBody>
+          <a:bodyPr anchorCtr="0" anchor="ctr" bIns="34275" lIns="68575" spcFirstLastPara="1" rIns="68575" wrap="square" tIns="34275">
+            <a:normAutofit/>
+          </a:bodyPr>
+          <a:lstStyle/>
+          <a:p>
+            <a:pPr indent="0" lvl="0" marL="0" rtl="0" algn="ctr">
+              <a:spcBef>
+                <a:spcPts val="0"/>
+              </a:spcBef>
+              <a:spcAft>
+                <a:spcPts val="0"/>
+              </a:spcAft>
+              <a:buNone/>
+            </a:pPr>
+            <a:r>
+              <a:rPr lang="en" sz="3700">
+                <a:solidFill>
+                  <a:schemeClr val="accent5"/>
+                </a:solidFill>
+              </a:rPr>
+              <a:t>Test du code</a:t>
+            </a:r>
+            <a:endParaRPr sz="3700">
+              <a:solidFill>
+                <a:schemeClr val="accent5"/>
+              </a:solidFill>
+            </a:endParaRPr>
+          </a:p>
+        </p:txBody>
+      </p:sp>
+    </p:spTree>
+  </p:cSld>
+  <p:clrMapOvr>
+    <a:masterClrMapping/>
+  </p:clrMapOvr>
+</p:sld>
+</file>
+
+<file path=ppt/slides/slide17.xml><?xml version="1.0" encoding="utf-8"?>
+<p:sld xmlns:a="http://schemas.openxmlformats.org/drawingml/2006/main" xmlns:r="http://schemas.openxmlformats.org/officeDocument/2006/relationships" xmlns:mc="http://schemas.openxmlformats.org/markup-compatibility/2006" xmlns:mv="urn:schemas-microsoft-com:mac:vml" xmlns:p="http://schemas.openxmlformats.org/presentationml/2006/main" xmlns:c="http://schemas.openxmlformats.org/drawingml/2006/chart" xmlns:dgm="http://schemas.openxmlformats.org/drawingml/2006/diagram" xmlns:o="urn:schemas-microsoft-com:office:office" xmlns:v="urn:schemas-microsoft-com:vml" xmlns:pvml="urn:schemas-microsoft-com:office:powerpoint" xmlns:com="http://schemas.openxmlformats.org/drawingml/2006/compatibility" xmlns:p14="http://schemas.microsoft.com/office/powerpoint/2010/main" xmlns:p15="http://schemas.microsoft.com/office/powerpoint/2012/main" xmlns:ahyp="http://schemas.microsoft.com/office/drawing/2018/hyperlinkcolor">
+  <p:cSld>
+    <p:spTree>
+      <p:nvGrpSpPr>
+        <p:cNvPr id="261" name="Shape 261"/>
+        <p:cNvGrpSpPr/>
+        <p:nvPr/>
+      </p:nvGrpSpPr>
+      <p:grpSpPr>
+        <a:xfrm>
+          <a:off x="0" y="0"/>
+          <a:ext cx="0" cy="0"/>
+          <a:chOff x="0" y="0"/>
+          <a:chExt cx="0" cy="0"/>
+        </a:xfrm>
+      </p:grpSpPr>
+      <p:sp>
+        <p:nvSpPr>
+          <p:cNvPr id="262" name="Google Shape;262;p31"/>
           <p:cNvSpPr txBox="1"/>
           <p:nvPr>
             <p:ph type="title"/>
@@ -15293,12 +15619,12 @@
 </p:sld>
 </file>
 
-<file path=ppt/slides/slide17.xml><?xml version="1.0" encoding="utf-8"?>
+<file path=ppt/slides/slide18.xml><?xml version="1.0" encoding="utf-8"?>
 <p:sld xmlns:a="http://schemas.openxmlformats.org/drawingml/2006/main" xmlns:r="http://schemas.openxmlformats.org/officeDocument/2006/relationships" xmlns:mc="http://schemas.openxmlformats.org/markup-compatibility/2006" xmlns:mv="urn:schemas-microsoft-com:mac:vml" xmlns:p="http://schemas.openxmlformats.org/presentationml/2006/main" xmlns:c="http://schemas.openxmlformats.org/drawingml/2006/chart" xmlns:dgm="http://schemas.openxmlformats.org/drawingml/2006/diagram" xmlns:o="urn:schemas-microsoft-com:office:office" xmlns:v="urn:schemas-microsoft-com:vml" xmlns:pvml="urn:schemas-microsoft-com:office:powerpoint" xmlns:com="http://schemas.openxmlformats.org/drawingml/2006/compatibility" xmlns:p14="http://schemas.microsoft.com/office/powerpoint/2010/main" xmlns:p15="http://schemas.microsoft.com/office/powerpoint/2012/main" xmlns:ahyp="http://schemas.microsoft.com/office/drawing/2018/hyperlinkcolor">
   <p:cSld>
     <p:spTree>
       <p:nvGrpSpPr>
-        <p:cNvPr id="260" name="Shape 260"/>
+        <p:cNvPr id="267" name="Shape 267"/>
         <p:cNvGrpSpPr/>
         <p:nvPr/>
       </p:nvGrpSpPr>
@@ -15312,7 +15638,7 @@
       </p:grpSpPr>
       <p:sp>
         <p:nvSpPr>
-          <p:cNvPr id="261" name="Google Shape;261;p31"/>
+          <p:cNvPr id="268" name="Google Shape;268;p32"/>
           <p:cNvSpPr txBox="1"/>
           <p:nvPr>
             <p:ph type="ctrTitle"/>
@@ -15388,7 +15714,7 @@
       </p:sp>
       <p:sp>
         <p:nvSpPr>
-          <p:cNvPr id="262" name="Google Shape;262;p31"/>
+          <p:cNvPr id="269" name="Google Shape;269;p32"/>
           <p:cNvSpPr txBox="1"/>
           <p:nvPr>
             <p:ph idx="1" type="subTitle"/>
@@ -15588,7 +15914,7 @@
       </p:sp>
       <p:sp>
         <p:nvSpPr>
-          <p:cNvPr id="263" name="Google Shape;263;p31"/>
+          <p:cNvPr id="270" name="Google Shape;270;p32"/>
           <p:cNvSpPr txBox="1"/>
           <p:nvPr/>
         </p:nvSpPr>
@@ -15767,7 +16093,7 @@
       </p:sp>
       <p:pic>
         <p:nvPicPr>
-          <p:cNvPr descr="ENSIAS Rabat - 9rayti.Com" id="264" name="Google Shape;264;p31"/>
+          <p:cNvPr descr="ENSIAS Rabat - 9rayti.Com" id="271" name="Google Shape;271;p32"/>
           <p:cNvPicPr preferRelativeResize="0"/>
           <p:nvPr/>
         </p:nvPicPr>
@@ -15794,7 +16120,7 @@
       </p:pic>
       <p:sp>
         <p:nvSpPr>
-          <p:cNvPr id="265" name="Google Shape;265;p31"/>
+          <p:cNvPr id="272" name="Google Shape;272;p32"/>
           <p:cNvSpPr txBox="1"/>
           <p:nvPr/>
         </p:nvSpPr>
@@ -15994,7 +16320,7 @@
       </p:sp>
       <p:sp>
         <p:nvSpPr>
-          <p:cNvPr id="266" name="Google Shape;266;p31"/>
+          <p:cNvPr id="273" name="Google Shape;273;p32"/>
           <p:cNvSpPr txBox="1"/>
           <p:nvPr/>
         </p:nvSpPr>
@@ -19408,6 +19734,285 @@
 </file>
 
 <file path=ppt/theme/theme1.xml><?xml version="1.0" encoding="utf-8"?>
+<a:theme xmlns:a="http://schemas.openxmlformats.org/drawingml/2006/main" xmlns:r="http://schemas.openxmlformats.org/officeDocument/2006/relationships">
+  <a:themeElements>
+    <a:clrScheme name="Default">
+      <a:dk1>
+        <a:srgbClr val="000000"/>
+      </a:dk1>
+      <a:lt1>
+        <a:srgbClr val="FFFFFF"/>
+      </a:lt1>
+      <a:dk2>
+        <a:srgbClr val="158158"/>
+      </a:dk2>
+      <a:lt2>
+        <a:srgbClr val="F3F3F3"/>
+      </a:lt2>
+      <a:accent1>
+        <a:srgbClr val="058DC7"/>
+      </a:accent1>
+      <a:accent2>
+        <a:srgbClr val="50B432"/>
+      </a:accent2>
+      <a:accent3>
+        <a:srgbClr val="ED561B"/>
+      </a:accent3>
+      <a:accent4>
+        <a:srgbClr val="EDEF00"/>
+      </a:accent4>
+      <a:accent5>
+        <a:srgbClr val="24CBE5"/>
+      </a:accent5>
+      <a:accent6>
+        <a:srgbClr val="64E572"/>
+      </a:accent6>
+      <a:hlink>
+        <a:srgbClr val="2200CC"/>
+      </a:hlink>
+      <a:folHlink>
+        <a:srgbClr val="551A8B"/>
+      </a:folHlink>
+    </a:clrScheme>
+    <a:fontScheme name="Office">
+      <a:majorFont>
+        <a:latin typeface="Arial"/>
+        <a:ea typeface=""/>
+        <a:cs typeface=""/>
+        <a:font script="Jpan" typeface="ＭＳ Ｐゴシック"/>
+        <a:font script="Hang" typeface="맑은 고딕"/>
+        <a:font script="Hans" typeface="宋体"/>
+        <a:font script="Hant" typeface="新細明體"/>
+        <a:font script="Arab" typeface="Times New Roman"/>
+        <a:font script="Hebr" typeface="Times New Roman"/>
+        <a:font script="Thai" typeface="Angsana New"/>
+        <a:font script="Ethi" typeface="Nyala"/>
+        <a:font script="Beng" typeface="Vrinda"/>
+        <a:font script="Gujr" typeface="Shruti"/>
+        <a:font script="Khmr" typeface="MoolBoran"/>
+        <a:font script="Knda" typeface="Tunga"/>
+        <a:font script="Guru" typeface="Raavi"/>
+        <a:font script="Cans" typeface="Euphemia"/>
+        <a:font script="Cher" typeface="Plantagenet Cherokee"/>
+        <a:font script="Yiii" typeface="Microsoft Yi Baiti"/>
+        <a:font script="Tibt" typeface="Microsoft Himalaya"/>
+        <a:font script="Thaa" typeface="MV Boli"/>
+        <a:font script="Deva" typeface="Mangal"/>
+        <a:font script="Telu" typeface="Gautami"/>
+        <a:font script="Taml" typeface="Latha"/>
+        <a:font script="Syrc" typeface="Estrangelo Edessa"/>
+        <a:font script="Orya" typeface="Kalinga"/>
+        <a:font script="Mlym" typeface="Kartika"/>
+        <a:font script="Laoo" typeface="DokChampa"/>
+        <a:font script="Sinh" typeface="Iskoola Pota"/>
+        <a:font script="Mong" typeface="Mongolian Baiti"/>
+        <a:font script="Viet" typeface="Times New Roman"/>
+        <a:font script="Uigh" typeface="Microsoft Uighur"/>
+        <a:font script="Geor" typeface="Sylfaen"/>
+      </a:majorFont>
+      <a:minorFont>
+        <a:latin typeface="Arial"/>
+        <a:ea typeface=""/>
+        <a:cs typeface=""/>
+        <a:font script="Jpan" typeface="ＭＳ Ｐゴシック"/>
+        <a:font script="Hang" typeface="맑은 고딕"/>
+        <a:font script="Hans" typeface="宋体"/>
+        <a:font script="Hant" typeface="新細明體"/>
+        <a:font script="Arab" typeface="Arial"/>
+        <a:font script="Hebr" typeface="Arial"/>
+        <a:font script="Thai" typeface="Cordia New"/>
+        <a:font script="Ethi" typeface="Nyala"/>
+        <a:font script="Beng" typeface="Vrinda"/>
+        <a:font script="Gujr" typeface="Shruti"/>
+        <a:font script="Khmr" typeface="DaunPenh"/>
+        <a:font script="Knda" typeface="Tunga"/>
+        <a:font script="Guru" typeface="Raavi"/>
+        <a:font script="Cans" typeface="Euphemia"/>
+        <a:font script="Cher" typeface="Plantagenet Cherokee"/>
+        <a:font script="Yiii" typeface="Microsoft Yi Baiti"/>
+        <a:font script="Tibt" typeface="Microsoft Himalaya"/>
+        <a:font script="Thaa" typeface="MV Boli"/>
+        <a:font script="Deva" typeface="Mangal"/>
+        <a:font script="Telu" typeface="Gautami"/>
+        <a:font script="Taml" typeface="Latha"/>
+        <a:font script="Syrc" typeface="Estrangelo Edessa"/>
+        <a:font script="Orya" typeface="Kalinga"/>
+        <a:font script="Mlym" typeface="Kartika"/>
+        <a:font script="Laoo" typeface="DokChampa"/>
+        <a:font script="Sinh" typeface="Iskoola Pota"/>
+        <a:font script="Mong" typeface="Mongolian Baiti"/>
+        <a:font script="Viet" typeface="Arial"/>
+        <a:font script="Uigh" typeface="Microsoft Uighur"/>
+        <a:font script="Geor" typeface="Sylfaen"/>
+      </a:minorFont>
+    </a:fontScheme>
+    <a:fmtScheme name="Office">
+      <a:fillStyleLst>
+        <a:solidFill>
+          <a:schemeClr val="phClr"/>
+        </a:solidFill>
+        <a:gradFill rotWithShape="1">
+          <a:gsLst>
+            <a:gs pos="0">
+              <a:schemeClr val="phClr">
+                <a:tint val="50000"/>
+                <a:satMod val="300000"/>
+              </a:schemeClr>
+            </a:gs>
+            <a:gs pos="35000">
+              <a:schemeClr val="phClr">
+                <a:tint val="37000"/>
+                <a:satMod val="300000"/>
+              </a:schemeClr>
+            </a:gs>
+            <a:gs pos="100000">
+              <a:schemeClr val="phClr">
+                <a:tint val="15000"/>
+                <a:satMod val="350000"/>
+              </a:schemeClr>
+            </a:gs>
+          </a:gsLst>
+          <a:lin ang="16200000" scaled="1"/>
+        </a:gradFill>
+        <a:gradFill rotWithShape="1">
+          <a:gsLst>
+            <a:gs pos="0">
+              <a:schemeClr val="phClr">
+                <a:tint val="100000"/>
+                <a:shade val="100000"/>
+                <a:satMod val="130000"/>
+              </a:schemeClr>
+            </a:gs>
+            <a:gs pos="100000">
+              <a:schemeClr val="phClr">
+                <a:tint val="50000"/>
+                <a:shade val="100000"/>
+                <a:satMod val="350000"/>
+              </a:schemeClr>
+            </a:gs>
+          </a:gsLst>
+          <a:lin ang="16200000" scaled="0"/>
+        </a:gradFill>
+      </a:fillStyleLst>
+      <a:lnStyleLst>
+        <a:ln w="9525" cap="flat" cmpd="sng" algn="ctr">
+          <a:solidFill>
+            <a:schemeClr val="phClr">
+              <a:shade val="95000"/>
+              <a:satMod val="105000"/>
+            </a:schemeClr>
+          </a:solidFill>
+          <a:prstDash val="solid"/>
+        </a:ln>
+        <a:ln w="25400" cap="flat" cmpd="sng" algn="ctr">
+          <a:solidFill>
+            <a:schemeClr val="phClr"/>
+          </a:solidFill>
+          <a:prstDash val="solid"/>
+        </a:ln>
+        <a:ln w="38100" cap="flat" cmpd="sng" algn="ctr">
+          <a:solidFill>
+            <a:schemeClr val="phClr"/>
+          </a:solidFill>
+          <a:prstDash val="solid"/>
+        </a:ln>
+      </a:lnStyleLst>
+      <a:effectStyleLst>
+        <a:effectStyle>
+          <a:effectLst>
+            <a:outerShdw blurRad="40000" dist="20000" dir="5400000" rotWithShape="0">
+              <a:srgbClr val="000000">
+                <a:alpha val="38000"/>
+              </a:srgbClr>
+            </a:outerShdw>
+          </a:effectLst>
+        </a:effectStyle>
+        <a:effectStyle>
+          <a:effectLst>
+            <a:outerShdw blurRad="40000" dist="23000" dir="5400000" rotWithShape="0">
+              <a:srgbClr val="000000">
+                <a:alpha val="35000"/>
+              </a:srgbClr>
+            </a:outerShdw>
+          </a:effectLst>
+        </a:effectStyle>
+        <a:effectStyle>
+          <a:effectLst>
+            <a:outerShdw blurRad="40000" dist="23000" dir="5400000" rotWithShape="0">
+              <a:srgbClr val="000000">
+                <a:alpha val="35000"/>
+              </a:srgbClr>
+            </a:outerShdw>
+          </a:effectLst>
+          <a:scene3d>
+            <a:camera prst="orthographicFront">
+              <a:rot lat="0" lon="0" rev="0"/>
+            </a:camera>
+            <a:lightRig rig="threePt" dir="t">
+              <a:rot lat="0" lon="0" rev="1200000"/>
+            </a:lightRig>
+          </a:scene3d>
+          <a:sp3d>
+            <a:bevelT w="63500" h="25400"/>
+          </a:sp3d>
+        </a:effectStyle>
+      </a:effectStyleLst>
+      <a:bgFillStyleLst>
+        <a:solidFill>
+          <a:schemeClr val="phClr"/>
+        </a:solidFill>
+        <a:gradFill rotWithShape="1">
+          <a:gsLst>
+            <a:gs pos="0">
+              <a:schemeClr val="phClr">
+                <a:tint val="40000"/>
+                <a:satMod val="350000"/>
+              </a:schemeClr>
+            </a:gs>
+            <a:gs pos="40000">
+              <a:schemeClr val="phClr">
+                <a:tint val="45000"/>
+                <a:shade val="99000"/>
+                <a:satMod val="350000"/>
+              </a:schemeClr>
+            </a:gs>
+            <a:gs pos="100000">
+              <a:schemeClr val="phClr">
+                <a:shade val="20000"/>
+                <a:satMod val="255000"/>
+              </a:schemeClr>
+            </a:gs>
+          </a:gsLst>
+          <a:path path="circle">
+            <a:fillToRect l="50000" t="-80000" r="50000" b="180000"/>
+          </a:path>
+        </a:gradFill>
+        <a:gradFill rotWithShape="1">
+          <a:gsLst>
+            <a:gs pos="0">
+              <a:schemeClr val="phClr">
+                <a:tint val="80000"/>
+                <a:satMod val="300000"/>
+              </a:schemeClr>
+            </a:gs>
+            <a:gs pos="100000">
+              <a:schemeClr val="phClr">
+                <a:shade val="30000"/>
+                <a:satMod val="200000"/>
+              </a:schemeClr>
+            </a:gs>
+          </a:gsLst>
+          <a:path path="circle">
+            <a:fillToRect l="50000" t="50000" r="50000" b="50000"/>
+          </a:path>
+        </a:gradFill>
+      </a:bgFillStyleLst>
+    </a:fmtScheme>
+  </a:themeElements>
+</a:theme>
+</file>
+
+<file path=ppt/theme/theme2.xml><?xml version="1.0" encoding="utf-8"?>
 <a:theme xmlns:a="http://schemas.openxmlformats.org/drawingml/2006/main" xmlns:r="http://schemas.openxmlformats.org/officeDocument/2006/relationships" name="Focus">
   <a:themeElements>
     <a:clrScheme name="Focus">
@@ -19684,283 +20289,4 @@
     </a:fmtScheme>
   </a:themeElements>
 </a:theme>
-</file>
-
-<file path=ppt/theme/theme2.xml><?xml version="1.0" encoding="utf-8"?>
-<a:theme xmlns:a="http://schemas.openxmlformats.org/drawingml/2006/main" xmlns:r="http://schemas.openxmlformats.org/officeDocument/2006/relationships">
-  <a:themeElements>
-    <a:clrScheme name="Default">
-      <a:dk1>
-        <a:srgbClr val="000000"/>
-      </a:dk1>
-      <a:lt1>
-        <a:srgbClr val="FFFFFF"/>
-      </a:lt1>
-      <a:dk2>
-        <a:srgbClr val="158158"/>
-      </a:dk2>
-      <a:lt2>
-        <a:srgbClr val="F3F3F3"/>
-      </a:lt2>
-      <a:accent1>
-        <a:srgbClr val="058DC7"/>
-      </a:accent1>
-      <a:accent2>
-        <a:srgbClr val="50B432"/>
-      </a:accent2>
-      <a:accent3>
-        <a:srgbClr val="ED561B"/>
-      </a:accent3>
-      <a:accent4>
-        <a:srgbClr val="EDEF00"/>
-      </a:accent4>
-      <a:accent5>
-        <a:srgbClr val="24CBE5"/>
-      </a:accent5>
-      <a:accent6>
-        <a:srgbClr val="64E572"/>
-      </a:accent6>
-      <a:hlink>
-        <a:srgbClr val="2200CC"/>
-      </a:hlink>
-      <a:folHlink>
-        <a:srgbClr val="551A8B"/>
-      </a:folHlink>
-    </a:clrScheme>
-    <a:fontScheme name="Office">
-      <a:majorFont>
-        <a:latin typeface="Arial"/>
-        <a:ea typeface=""/>
-        <a:cs typeface=""/>
-        <a:font script="Jpan" typeface="ＭＳ Ｐゴシック"/>
-        <a:font script="Hang" typeface="맑은 고딕"/>
-        <a:font script="Hans" typeface="宋体"/>
-        <a:font script="Hant" typeface="新細明體"/>
-        <a:font script="Arab" typeface="Times New Roman"/>
-        <a:font script="Hebr" typeface="Times New Roman"/>
-        <a:font script="Thai" typeface="Angsana New"/>
-        <a:font script="Ethi" typeface="Nyala"/>
-        <a:font script="Beng" typeface="Vrinda"/>
-        <a:font script="Gujr" typeface="Shruti"/>
-        <a:font script="Khmr" typeface="MoolBoran"/>
-        <a:font script="Knda" typeface="Tunga"/>
-        <a:font script="Guru" typeface="Raavi"/>
-        <a:font script="Cans" typeface="Euphemia"/>
-        <a:font script="Cher" typeface="Plantagenet Cherokee"/>
-        <a:font script="Yiii" typeface="Microsoft Yi Baiti"/>
-        <a:font script="Tibt" typeface="Microsoft Himalaya"/>
-        <a:font script="Thaa" typeface="MV Boli"/>
-        <a:font script="Deva" typeface="Mangal"/>
-        <a:font script="Telu" typeface="Gautami"/>
-        <a:font script="Taml" typeface="Latha"/>
-        <a:font script="Syrc" typeface="Estrangelo Edessa"/>
-        <a:font script="Orya" typeface="Kalinga"/>
-        <a:font script="Mlym" typeface="Kartika"/>
-        <a:font script="Laoo" typeface="DokChampa"/>
-        <a:font script="Sinh" typeface="Iskoola Pota"/>
-        <a:font script="Mong" typeface="Mongolian Baiti"/>
-        <a:font script="Viet" typeface="Times New Roman"/>
-        <a:font script="Uigh" typeface="Microsoft Uighur"/>
-        <a:font script="Geor" typeface="Sylfaen"/>
-      </a:majorFont>
-      <a:minorFont>
-        <a:latin typeface="Arial"/>
-        <a:ea typeface=""/>
-        <a:cs typeface=""/>
-        <a:font script="Jpan" typeface="ＭＳ Ｐゴシック"/>
-        <a:font script="Hang" typeface="맑은 고딕"/>
-        <a:font script="Hans" typeface="宋体"/>
-        <a:font script="Hant" typeface="新細明體"/>
-        <a:font script="Arab" typeface="Arial"/>
-        <a:font script="Hebr" typeface="Arial"/>
-        <a:font script="Thai" typeface="Cordia New"/>
-        <a:font script="Ethi" typeface="Nyala"/>
-        <a:font script="Beng" typeface="Vrinda"/>
-        <a:font script="Gujr" typeface="Shruti"/>
-        <a:font script="Khmr" typeface="DaunPenh"/>
-        <a:font script="Knda" typeface="Tunga"/>
-        <a:font script="Guru" typeface="Raavi"/>
-        <a:font script="Cans" typeface="Euphemia"/>
-        <a:font script="Cher" typeface="Plantagenet Cherokee"/>
-        <a:font script="Yiii" typeface="Microsoft Yi Baiti"/>
-        <a:font script="Tibt" typeface="Microsoft Himalaya"/>
-        <a:font script="Thaa" typeface="MV Boli"/>
-        <a:font script="Deva" typeface="Mangal"/>
-        <a:font script="Telu" typeface="Gautami"/>
-        <a:font script="Taml" typeface="Latha"/>
-        <a:font script="Syrc" typeface="Estrangelo Edessa"/>
-        <a:font script="Orya" typeface="Kalinga"/>
-        <a:font script="Mlym" typeface="Kartika"/>
-        <a:font script="Laoo" typeface="DokChampa"/>
-        <a:font script="Sinh" typeface="Iskoola Pota"/>
-        <a:font script="Mong" typeface="Mongolian Baiti"/>
-        <a:font script="Viet" typeface="Arial"/>
-        <a:font script="Uigh" typeface="Microsoft Uighur"/>
-        <a:font script="Geor" typeface="Sylfaen"/>
-      </a:minorFont>
-    </a:fontScheme>
-    <a:fmtScheme name="Office">
-      <a:fillStyleLst>
-        <a:solidFill>
-          <a:schemeClr val="phClr"/>
-        </a:solidFill>
-        <a:gradFill rotWithShape="1">
-          <a:gsLst>
-            <a:gs pos="0">
-              <a:schemeClr val="phClr">
-                <a:tint val="50000"/>
-                <a:satMod val="300000"/>
-              </a:schemeClr>
-            </a:gs>
-            <a:gs pos="35000">
-              <a:schemeClr val="phClr">
-                <a:tint val="37000"/>
-                <a:satMod val="300000"/>
-              </a:schemeClr>
-            </a:gs>
-            <a:gs pos="100000">
-              <a:schemeClr val="phClr">
-                <a:tint val="15000"/>
-                <a:satMod val="350000"/>
-              </a:schemeClr>
-            </a:gs>
-          </a:gsLst>
-          <a:lin ang="16200000" scaled="1"/>
-        </a:gradFill>
-        <a:gradFill rotWithShape="1">
-          <a:gsLst>
-            <a:gs pos="0">
-              <a:schemeClr val="phClr">
-                <a:tint val="100000"/>
-                <a:shade val="100000"/>
-                <a:satMod val="130000"/>
-              </a:schemeClr>
-            </a:gs>
-            <a:gs pos="100000">
-              <a:schemeClr val="phClr">
-                <a:tint val="50000"/>
-                <a:shade val="100000"/>
-                <a:satMod val="350000"/>
-              </a:schemeClr>
-            </a:gs>
-          </a:gsLst>
-          <a:lin ang="16200000" scaled="0"/>
-        </a:gradFill>
-      </a:fillStyleLst>
-      <a:lnStyleLst>
-        <a:ln w="9525" cap="flat" cmpd="sng" algn="ctr">
-          <a:solidFill>
-            <a:schemeClr val="phClr">
-              <a:shade val="95000"/>
-              <a:satMod val="105000"/>
-            </a:schemeClr>
-          </a:solidFill>
-          <a:prstDash val="solid"/>
-        </a:ln>
-        <a:ln w="25400" cap="flat" cmpd="sng" algn="ctr">
-          <a:solidFill>
-            <a:schemeClr val="phClr"/>
-          </a:solidFill>
-          <a:prstDash val="solid"/>
-        </a:ln>
-        <a:ln w="38100" cap="flat" cmpd="sng" algn="ctr">
-          <a:solidFill>
-            <a:schemeClr val="phClr"/>
-          </a:solidFill>
-          <a:prstDash val="solid"/>
-        </a:ln>
-      </a:lnStyleLst>
-      <a:effectStyleLst>
-        <a:effectStyle>
-          <a:effectLst>
-            <a:outerShdw blurRad="40000" dist="20000" dir="5400000" rotWithShape="0">
-              <a:srgbClr val="000000">
-                <a:alpha val="38000"/>
-              </a:srgbClr>
-            </a:outerShdw>
-          </a:effectLst>
-        </a:effectStyle>
-        <a:effectStyle>
-          <a:effectLst>
-            <a:outerShdw blurRad="40000" dist="23000" dir="5400000" rotWithShape="0">
-              <a:srgbClr val="000000">
-                <a:alpha val="35000"/>
-              </a:srgbClr>
-            </a:outerShdw>
-          </a:effectLst>
-        </a:effectStyle>
-        <a:effectStyle>
-          <a:effectLst>
-            <a:outerShdw blurRad="40000" dist="23000" dir="5400000" rotWithShape="0">
-              <a:srgbClr val="000000">
-                <a:alpha val="35000"/>
-              </a:srgbClr>
-            </a:outerShdw>
-          </a:effectLst>
-          <a:scene3d>
-            <a:camera prst="orthographicFront">
-              <a:rot lat="0" lon="0" rev="0"/>
-            </a:camera>
-            <a:lightRig rig="threePt" dir="t">
-              <a:rot lat="0" lon="0" rev="1200000"/>
-            </a:lightRig>
-          </a:scene3d>
-          <a:sp3d>
-            <a:bevelT w="63500" h="25400"/>
-          </a:sp3d>
-        </a:effectStyle>
-      </a:effectStyleLst>
-      <a:bgFillStyleLst>
-        <a:solidFill>
-          <a:schemeClr val="phClr"/>
-        </a:solidFill>
-        <a:gradFill rotWithShape="1">
-          <a:gsLst>
-            <a:gs pos="0">
-              <a:schemeClr val="phClr">
-                <a:tint val="40000"/>
-                <a:satMod val="350000"/>
-              </a:schemeClr>
-            </a:gs>
-            <a:gs pos="40000">
-              <a:schemeClr val="phClr">
-                <a:tint val="45000"/>
-                <a:shade val="99000"/>
-                <a:satMod val="350000"/>
-              </a:schemeClr>
-            </a:gs>
-            <a:gs pos="100000">
-              <a:schemeClr val="phClr">
-                <a:shade val="20000"/>
-                <a:satMod val="255000"/>
-              </a:schemeClr>
-            </a:gs>
-          </a:gsLst>
-          <a:path path="circle">
-            <a:fillToRect l="50000" t="-80000" r="50000" b="180000"/>
-          </a:path>
-        </a:gradFill>
-        <a:gradFill rotWithShape="1">
-          <a:gsLst>
-            <a:gs pos="0">
-              <a:schemeClr val="phClr">
-                <a:tint val="80000"/>
-                <a:satMod val="300000"/>
-              </a:schemeClr>
-            </a:gs>
-            <a:gs pos="100000">
-              <a:schemeClr val="phClr">
-                <a:shade val="30000"/>
-                <a:satMod val="200000"/>
-              </a:schemeClr>
-            </a:gs>
-          </a:gsLst>
-          <a:path path="circle">
-            <a:fillToRect l="50000" t="50000" r="50000" b="50000"/>
-          </a:path>
-        </a:gradFill>
-      </a:bgFillStyleLst>
-    </a:fmtScheme>
-  </a:themeElements>
-</a:theme>
 </file>